--- a/Whiteboard design session/WDS trainer presentation - Line-of-business application migration.pptx
+++ b/Whiteboard design session/WDS trainer presentation - Line-of-business application migration.pptx
@@ -231,7 +231,7 @@
           <a:p>
             <a:fld id="{52A13B17-C506-4D51-BB37-16B365906619}" type="datetimeFigureOut">
               <a:rPr lang="en-US" smtClean="0"/>
-              <a:t>8/19/2019</a:t>
+              <a:t>3/18/20</a:t>
             </a:fld>
             <a:endParaRPr lang="en-US" dirty="0"/>
           </a:p>
@@ -542,7 +542,10 @@
           <a:bodyPr/>
           <a:lstStyle/>
           <a:p>
-            <a:endParaRPr lang="en-US" dirty="0"/>
+            <a:r>
+              <a:rPr lang="en-US" dirty="0"/>
+              <a:t>Last update March 2020</a:t>
+            </a:r>
           </a:p>
         </p:txBody>
       </p:sp>
@@ -1532,7 +1535,7 @@
           <a:p>
             <a:fld id="{386CE63F-9E7F-4C04-9D0D-FCA25A8E9E86}" type="datetime8">
               <a:rPr lang="en-US" smtClean="0"/>
-              <a:t>8/19/2019 4:41 PM</a:t>
+              <a:t>3/18/20 10:00 AM</a:t>
             </a:fld>
             <a:endParaRPr lang="en-US" dirty="0"/>
           </a:p>
@@ -1784,7 +1787,7 @@
           <a:p>
             <a:fld id="{386CE63F-9E7F-4C04-9D0D-FCA25A8E9E86}" type="datetime8">
               <a:rPr lang="en-US" smtClean="0"/>
-              <a:t>8/19/2019 4:41 PM</a:t>
+              <a:t>3/18/20 10:00 AM</a:t>
             </a:fld>
             <a:endParaRPr lang="en-US" dirty="0"/>
           </a:p>
@@ -1961,7 +1964,7 @@
           <a:p>
             <a:fld id="{386CE63F-9E7F-4C04-9D0D-FCA25A8E9E86}" type="datetime8">
               <a:rPr lang="en-US" smtClean="0"/>
-              <a:t>8/19/2019 4:41 PM</a:t>
+              <a:t>3/18/20 10:00 AM</a:t>
             </a:fld>
             <a:endParaRPr lang="en-US" dirty="0"/>
           </a:p>
@@ -2129,7 +2132,7 @@
           <a:p>
             <a:fld id="{386CE63F-9E7F-4C04-9D0D-FCA25A8E9E86}" type="datetime8">
               <a:rPr lang="en-US" smtClean="0"/>
-              <a:t>8/19/2019 4:41 PM</a:t>
+              <a:t>3/18/20 10:00 AM</a:t>
             </a:fld>
             <a:endParaRPr lang="en-US" dirty="0"/>
           </a:p>
@@ -2306,7 +2309,7 @@
           <a:p>
             <a:fld id="{386CE63F-9E7F-4C04-9D0D-FCA25A8E9E86}" type="datetime8">
               <a:rPr lang="en-US" smtClean="0"/>
-              <a:t>8/19/2019 4:41 PM</a:t>
+              <a:t>3/18/20 10:00 AM</a:t>
             </a:fld>
             <a:endParaRPr lang="en-US" dirty="0"/>
           </a:p>
@@ -2483,7 +2486,7 @@
           <a:p>
             <a:fld id="{386CE63F-9E7F-4C04-9D0D-FCA25A8E9E86}" type="datetime8">
               <a:rPr lang="en-US" smtClean="0"/>
-              <a:t>8/19/2019 4:41 PM</a:t>
+              <a:t>3/18/20 10:00 AM</a:t>
             </a:fld>
             <a:endParaRPr lang="en-US" dirty="0"/>
           </a:p>
@@ -2660,7 +2663,7 @@
           <a:p>
             <a:fld id="{386CE63F-9E7F-4C04-9D0D-FCA25A8E9E86}" type="datetime8">
               <a:rPr lang="en-US" smtClean="0"/>
-              <a:t>8/19/2019 4:41 PM</a:t>
+              <a:t>3/18/20 10:00 AM</a:t>
             </a:fld>
             <a:endParaRPr lang="en-US" dirty="0"/>
           </a:p>
@@ -3917,7 +3920,7 @@
                   <a:prstClr val="black"/>
                 </a:solidFill>
               </a:rPr>
-              <a:t>8/19/2019 4:41 PM</a:t>
+              <a:t>3/18/20 10:00 AM</a:t>
             </a:fld>
             <a:endParaRPr lang="en-US" dirty="0">
               <a:solidFill>
@@ -4926,7 +4929,7 @@
       </p:transition>
     </mc:Fallback>
   </mc:AlternateContent>
-  <p:extLst mod="1">
+  <p:extLst>
     <p:ext uri="{DCECCB84-F9BA-43D5-87BE-67443E8EF086}">
       <p15:sldGuideLst xmlns:p15="http://schemas.microsoft.com/office/powerpoint/2012/main">
         <p15:guide id="1" pos="288">
@@ -16141,7 +16144,7 @@
       </a:lvl9pPr>
     </p:otherStyle>
   </p:txStyles>
-  <p:extLst mod="1">
+  <p:extLst>
     <p:ext uri="{27BBF7A9-308A-43DC-89C8-2F10F3537804}">
       <p15:sldGuideLst xmlns:p15="http://schemas.microsoft.com/office/powerpoint/2012/main">
         <p15:guide id="1" orient="horz" pos="187">
@@ -16757,7 +16760,7 @@
       </a:lvl9pPr>
     </p:otherStyle>
   </p:txStyles>
-  <p:extLst mod="1">
+  <p:extLst>
     <p:ext uri="{27BBF7A9-308A-43DC-89C8-2F10F3537804}">
       <p15:sldGuideLst xmlns:p15="http://schemas.microsoft.com/office/powerpoint/2012/main">
         <p15:guide id="1" orient="horz" pos="187">
@@ -21207,7 +21210,15 @@
             <a:pPr lvl="1"/>
             <a:r>
               <a:rPr lang="en-IE" sz="2400" dirty="0"/>
-              <a:t>Review Azure Advisor / Security Center recommendations</a:t>
+              <a:t>Review Azure Advisor / Security </a:t>
+            </a:r>
+            <a:r>
+              <a:rPr lang="en-IE" sz="2400" dirty="0" err="1"/>
+              <a:t>Center</a:t>
+            </a:r>
+            <a:r>
+              <a:rPr lang="en-IE" sz="2400" dirty="0"/>
+              <a:t> recommendations</a:t>
             </a:r>
           </a:p>
           <a:p>
@@ -22834,7 +22845,7 @@
             <a:pPr lvl="1"/>
             <a:r>
               <a:rPr lang="en-US" dirty="0"/>
-              <a:t>Multiple database engines, including Microsoft SQL Server, PostGreSQL, and Cassandra</a:t>
+              <a:t>Multiple database engines, including Microsoft SQL Server, PostgreSQL, and Cassandra</a:t>
             </a:r>
           </a:p>
           <a:p>

--- a/Whiteboard design session/WDS trainer presentation - Line-of-business application migration.pptx
+++ b/Whiteboard design session/WDS trainer presentation - Line-of-business application migration.pptx
@@ -231,7 +231,7 @@
           <a:p>
             <a:fld id="{52A13B17-C506-4D51-BB37-16B365906619}" type="datetimeFigureOut">
               <a:rPr lang="en-US" smtClean="0"/>
-              <a:t>4/8/2020</a:t>
+              <a:t>6/16/20</a:t>
             </a:fld>
             <a:endParaRPr lang="en-US" dirty="0"/>
           </a:p>
@@ -544,6 +544,16 @@
           <a:p>
             <a:r>
               <a:rPr lang="en-US" dirty="0"/>
+              <a:t>Last test fix June 2020 (no changes to this </a:t>
+            </a:r>
+            <a:r>
+              <a:rPr lang="en-US"/>
+              <a:t>slide deck)</a:t>
+            </a:r>
+          </a:p>
+          <a:p>
+            <a:r>
+              <a:rPr lang="en-US" dirty="0"/>
               <a:t>Last update March 2020</a:t>
             </a:r>
           </a:p>
@@ -1535,7 +1545,7 @@
           <a:p>
             <a:fld id="{386CE63F-9E7F-4C04-9D0D-FCA25A8E9E86}" type="datetime8">
               <a:rPr lang="en-US" smtClean="0"/>
-              <a:t>4/8/2020 11:08 AM</a:t>
+              <a:t>6/16/20 10:57 AM</a:t>
             </a:fld>
             <a:endParaRPr lang="en-US" dirty="0"/>
           </a:p>
@@ -1787,7 +1797,7 @@
           <a:p>
             <a:fld id="{386CE63F-9E7F-4C04-9D0D-FCA25A8E9E86}" type="datetime8">
               <a:rPr lang="en-US" smtClean="0"/>
-              <a:t>4/8/2020 11:08 AM</a:t>
+              <a:t>6/16/20 10:57 AM</a:t>
             </a:fld>
             <a:endParaRPr lang="en-US" dirty="0"/>
           </a:p>
@@ -1964,7 +1974,7 @@
           <a:p>
             <a:fld id="{386CE63F-9E7F-4C04-9D0D-FCA25A8E9E86}" type="datetime8">
               <a:rPr lang="en-US" smtClean="0"/>
-              <a:t>4/8/2020 11:08 AM</a:t>
+              <a:t>6/16/20 10:57 AM</a:t>
             </a:fld>
             <a:endParaRPr lang="en-US" dirty="0"/>
           </a:p>
@@ -2132,7 +2142,7 @@
           <a:p>
             <a:fld id="{386CE63F-9E7F-4C04-9D0D-FCA25A8E9E86}" type="datetime8">
               <a:rPr lang="en-US" smtClean="0"/>
-              <a:t>4/8/2020 11:08 AM</a:t>
+              <a:t>6/16/20 10:57 AM</a:t>
             </a:fld>
             <a:endParaRPr lang="en-US" dirty="0"/>
           </a:p>
@@ -2309,7 +2319,7 @@
           <a:p>
             <a:fld id="{386CE63F-9E7F-4C04-9D0D-FCA25A8E9E86}" type="datetime8">
               <a:rPr lang="en-US" smtClean="0"/>
-              <a:t>4/8/2020 11:08 AM</a:t>
+              <a:t>6/16/20 10:57 AM</a:t>
             </a:fld>
             <a:endParaRPr lang="en-US" dirty="0"/>
           </a:p>
@@ -2486,7 +2496,7 @@
           <a:p>
             <a:fld id="{386CE63F-9E7F-4C04-9D0D-FCA25A8E9E86}" type="datetime8">
               <a:rPr lang="en-US" smtClean="0"/>
-              <a:t>4/8/2020 11:08 AM</a:t>
+              <a:t>6/16/20 10:57 AM</a:t>
             </a:fld>
             <a:endParaRPr lang="en-US" dirty="0"/>
           </a:p>
@@ -2663,7 +2673,7 @@
           <a:p>
             <a:fld id="{386CE63F-9E7F-4C04-9D0D-FCA25A8E9E86}" type="datetime8">
               <a:rPr lang="en-US" smtClean="0"/>
-              <a:t>4/8/2020 11:08 AM</a:t>
+              <a:t>6/16/20 10:57 AM</a:t>
             </a:fld>
             <a:endParaRPr lang="en-US" dirty="0"/>
           </a:p>
@@ -3920,7 +3930,7 @@
                   <a:prstClr val="black"/>
                 </a:solidFill>
               </a:rPr>
-              <a:t>4/8/2020 11:08 AM</a:t>
+              <a:t>6/16/20 10:58 AM</a:t>
             </a:fld>
             <a:endParaRPr lang="en-US" dirty="0">
               <a:solidFill>

--- a/Whiteboard design session/WDS trainer presentation - Line-of-business application migration.pptx
+++ b/Whiteboard design session/WDS trainer presentation - Line-of-business application migration.pptx
@@ -6,7 +6,7 @@
     <p:sldMasterId id="2147483665" r:id="rId2"/>
   </p:sldMasterIdLst>
   <p:notesMasterIdLst>
-    <p:notesMasterId r:id="rId37"/>
+    <p:notesMasterId r:id="rId38"/>
   </p:notesMasterIdLst>
   <p:sldIdLst>
     <p:sldId id="300" r:id="rId3"/>
@@ -21,28 +21,29 @@
     <p:sldId id="1942" r:id="rId12"/>
     <p:sldId id="1944" r:id="rId13"/>
     <p:sldId id="1935" r:id="rId14"/>
-    <p:sldId id="320" r:id="rId15"/>
-    <p:sldId id="322" r:id="rId16"/>
-    <p:sldId id="321" r:id="rId17"/>
-    <p:sldId id="317" r:id="rId18"/>
-    <p:sldId id="316" r:id="rId19"/>
-    <p:sldId id="333" r:id="rId20"/>
-    <p:sldId id="1936" r:id="rId21"/>
-    <p:sldId id="1937" r:id="rId22"/>
-    <p:sldId id="1932" r:id="rId23"/>
-    <p:sldId id="1933" r:id="rId24"/>
-    <p:sldId id="1934" r:id="rId25"/>
-    <p:sldId id="1938" r:id="rId26"/>
-    <p:sldId id="1939" r:id="rId27"/>
-    <p:sldId id="1940" r:id="rId28"/>
-    <p:sldId id="1941" r:id="rId29"/>
-    <p:sldId id="329" r:id="rId30"/>
-    <p:sldId id="332" r:id="rId31"/>
-    <p:sldId id="331" r:id="rId32"/>
-    <p:sldId id="330" r:id="rId33"/>
-    <p:sldId id="1943" r:id="rId34"/>
-    <p:sldId id="318" r:id="rId35"/>
-    <p:sldId id="315" r:id="rId36"/>
+    <p:sldId id="1945" r:id="rId15"/>
+    <p:sldId id="320" r:id="rId16"/>
+    <p:sldId id="322" r:id="rId17"/>
+    <p:sldId id="321" r:id="rId18"/>
+    <p:sldId id="317" r:id="rId19"/>
+    <p:sldId id="316" r:id="rId20"/>
+    <p:sldId id="333" r:id="rId21"/>
+    <p:sldId id="1936" r:id="rId22"/>
+    <p:sldId id="1937" r:id="rId23"/>
+    <p:sldId id="1932" r:id="rId24"/>
+    <p:sldId id="1933" r:id="rId25"/>
+    <p:sldId id="1934" r:id="rId26"/>
+    <p:sldId id="1938" r:id="rId27"/>
+    <p:sldId id="1939" r:id="rId28"/>
+    <p:sldId id="1940" r:id="rId29"/>
+    <p:sldId id="1941" r:id="rId30"/>
+    <p:sldId id="329" r:id="rId31"/>
+    <p:sldId id="332" r:id="rId32"/>
+    <p:sldId id="331" r:id="rId33"/>
+    <p:sldId id="330" r:id="rId34"/>
+    <p:sldId id="1943" r:id="rId35"/>
+    <p:sldId id="318" r:id="rId36"/>
+    <p:sldId id="315" r:id="rId37"/>
   </p:sldIdLst>
   <p:sldSz cx="12192000" cy="6858000"/>
   <p:notesSz cx="6858000" cy="9144000"/>
@@ -231,7 +232,7 @@
           <a:p>
             <a:fld id="{52A13B17-C506-4D51-BB37-16B365906619}" type="datetimeFigureOut">
               <a:rPr lang="en-US" smtClean="0"/>
-              <a:t>8/3/2020</a:t>
+              <a:t>10/30/2020</a:t>
             </a:fld>
             <a:endParaRPr lang="en-US" dirty="0"/>
           </a:p>
@@ -884,7 +885,7 @@
           <a:p>
             <a:fld id="{0998D5BB-B127-481F-BC0A-2F77C576BB34}" type="slidenum">
               <a:rPr lang="en-US" smtClean="0"/>
-              <a:t>13</a:t>
+              <a:t>14</a:t>
             </a:fld>
             <a:endParaRPr lang="en-US" dirty="0"/>
           </a:p>
@@ -968,7 +969,7 @@
           <a:p>
             <a:fld id="{0998D5BB-B127-481F-BC0A-2F77C576BB34}" type="slidenum">
               <a:rPr lang="en-US" smtClean="0"/>
-              <a:t>14</a:t>
+              <a:t>15</a:t>
             </a:fld>
             <a:endParaRPr lang="en-US" dirty="0"/>
           </a:p>
@@ -1052,7 +1053,7 @@
           <a:p>
             <a:fld id="{0998D5BB-B127-481F-BC0A-2F77C576BB34}" type="slidenum">
               <a:rPr lang="en-US" smtClean="0"/>
-              <a:t>15</a:t>
+              <a:t>16</a:t>
             </a:fld>
             <a:endParaRPr lang="en-US" dirty="0"/>
           </a:p>
@@ -1136,7 +1137,7 @@
           <a:p>
             <a:fld id="{0998D5BB-B127-481F-BC0A-2F77C576BB34}" type="slidenum">
               <a:rPr lang="en-US" smtClean="0"/>
-              <a:t>16</a:t>
+              <a:t>17</a:t>
             </a:fld>
             <a:endParaRPr lang="en-US" dirty="0"/>
           </a:p>
@@ -1220,7 +1221,7 @@
           <a:p>
             <a:fld id="{0998D5BB-B127-481F-BC0A-2F77C576BB34}" type="slidenum">
               <a:rPr lang="en-US" smtClean="0"/>
-              <a:t>17</a:t>
+              <a:t>18</a:t>
             </a:fld>
             <a:endParaRPr lang="en-US" dirty="0"/>
           </a:p>
@@ -1304,7 +1305,7 @@
           <a:p>
             <a:fld id="{0998D5BB-B127-481F-BC0A-2F77C576BB34}" type="slidenum">
               <a:rPr lang="en-US" smtClean="0"/>
-              <a:t>18</a:t>
+              <a:t>19</a:t>
             </a:fld>
             <a:endParaRPr lang="en-US" dirty="0"/>
           </a:p>
@@ -1397,7 +1398,7 @@
           <a:p>
             <a:fld id="{0998D5BB-B127-481F-BC0A-2F77C576BB34}" type="slidenum">
               <a:rPr lang="en-US" smtClean="0"/>
-              <a:t>19</a:t>
+              <a:t>20</a:t>
             </a:fld>
             <a:endParaRPr lang="en-US" dirty="0"/>
           </a:p>
@@ -1541,7 +1542,7 @@
           <a:p>
             <a:fld id="{386CE63F-9E7F-4C04-9D0D-FCA25A8E9E86}" type="datetime8">
               <a:rPr lang="en-US" smtClean="0"/>
-              <a:t>8/3/2020 8:21 AM</a:t>
+              <a:t>10/30/2020 2:52 PM</a:t>
             </a:fld>
             <a:endParaRPr lang="en-US" dirty="0"/>
           </a:p>
@@ -1565,7 +1566,7 @@
             <a:fld id="{B4008EB6-D09E-4580-8CD6-DDB14511944F}" type="slidenum">
               <a:rPr lang="en-US" smtClean="0"/>
               <a:pPr/>
-              <a:t>21</a:t>
+              <a:t>22</a:t>
             </a:fld>
             <a:endParaRPr lang="en-US" dirty="0"/>
           </a:p>
@@ -1793,7 +1794,7 @@
           <a:p>
             <a:fld id="{386CE63F-9E7F-4C04-9D0D-FCA25A8E9E86}" type="datetime8">
               <a:rPr lang="en-US" smtClean="0"/>
-              <a:t>8/3/2020 8:21 AM</a:t>
+              <a:t>10/30/2020 2:52 PM</a:t>
             </a:fld>
             <a:endParaRPr lang="en-US" dirty="0"/>
           </a:p>
@@ -1817,7 +1818,7 @@
             <a:fld id="{B4008EB6-D09E-4580-8CD6-DDB14511944F}" type="slidenum">
               <a:rPr lang="en-US" smtClean="0"/>
               <a:pPr/>
-              <a:t>22</a:t>
+              <a:t>23</a:t>
             </a:fld>
             <a:endParaRPr lang="en-US" dirty="0"/>
           </a:p>
@@ -1970,7 +1971,7 @@
           <a:p>
             <a:fld id="{386CE63F-9E7F-4C04-9D0D-FCA25A8E9E86}" type="datetime8">
               <a:rPr lang="en-US" smtClean="0"/>
-              <a:t>8/3/2020 8:21 AM</a:t>
+              <a:t>10/30/2020 2:52 PM</a:t>
             </a:fld>
             <a:endParaRPr lang="en-US" dirty="0"/>
           </a:p>
@@ -1994,7 +1995,7 @@
             <a:fld id="{B4008EB6-D09E-4580-8CD6-DDB14511944F}" type="slidenum">
               <a:rPr lang="en-US" smtClean="0"/>
               <a:pPr/>
-              <a:t>23</a:t>
+              <a:t>24</a:t>
             </a:fld>
             <a:endParaRPr lang="en-US" dirty="0"/>
           </a:p>
@@ -2138,7 +2139,7 @@
           <a:p>
             <a:fld id="{386CE63F-9E7F-4C04-9D0D-FCA25A8E9E86}" type="datetime8">
               <a:rPr lang="en-US" smtClean="0"/>
-              <a:t>8/3/2020 8:21 AM</a:t>
+              <a:t>10/30/2020 2:52 PM</a:t>
             </a:fld>
             <a:endParaRPr lang="en-US" dirty="0"/>
           </a:p>
@@ -2162,7 +2163,7 @@
             <a:fld id="{B4008EB6-D09E-4580-8CD6-DDB14511944F}" type="slidenum">
               <a:rPr lang="en-US" smtClean="0"/>
               <a:pPr/>
-              <a:t>24</a:t>
+              <a:t>25</a:t>
             </a:fld>
             <a:endParaRPr lang="en-US" dirty="0"/>
           </a:p>
@@ -2315,7 +2316,7 @@
           <a:p>
             <a:fld id="{386CE63F-9E7F-4C04-9D0D-FCA25A8E9E86}" type="datetime8">
               <a:rPr lang="en-US" smtClean="0"/>
-              <a:t>8/3/2020 8:21 AM</a:t>
+              <a:t>10/30/2020 2:52 PM</a:t>
             </a:fld>
             <a:endParaRPr lang="en-US" dirty="0"/>
           </a:p>
@@ -2339,7 +2340,7 @@
             <a:fld id="{B4008EB6-D09E-4580-8CD6-DDB14511944F}" type="slidenum">
               <a:rPr lang="en-US" smtClean="0"/>
               <a:pPr/>
-              <a:t>25</a:t>
+              <a:t>26</a:t>
             </a:fld>
             <a:endParaRPr lang="en-US" dirty="0"/>
           </a:p>
@@ -2492,7 +2493,7 @@
           <a:p>
             <a:fld id="{386CE63F-9E7F-4C04-9D0D-FCA25A8E9E86}" type="datetime8">
               <a:rPr lang="en-US" smtClean="0"/>
-              <a:t>8/3/2020 8:21 AM</a:t>
+              <a:t>10/30/2020 2:52 PM</a:t>
             </a:fld>
             <a:endParaRPr lang="en-US" dirty="0"/>
           </a:p>
@@ -2516,7 +2517,7 @@
             <a:fld id="{B4008EB6-D09E-4580-8CD6-DDB14511944F}" type="slidenum">
               <a:rPr lang="en-US" smtClean="0"/>
               <a:pPr/>
-              <a:t>26</a:t>
+              <a:t>27</a:t>
             </a:fld>
             <a:endParaRPr lang="en-US" dirty="0"/>
           </a:p>
@@ -2669,7 +2670,7 @@
           <a:p>
             <a:fld id="{386CE63F-9E7F-4C04-9D0D-FCA25A8E9E86}" type="datetime8">
               <a:rPr lang="en-US" smtClean="0"/>
-              <a:t>8/3/2020 8:21 AM</a:t>
+              <a:t>10/30/2020 2:52 PM</a:t>
             </a:fld>
             <a:endParaRPr lang="en-US" dirty="0"/>
           </a:p>
@@ -2693,7 +2694,7 @@
             <a:fld id="{B4008EB6-D09E-4580-8CD6-DDB14511944F}" type="slidenum">
               <a:rPr lang="en-US" smtClean="0"/>
               <a:pPr/>
-              <a:t>27</a:t>
+              <a:t>28</a:t>
             </a:fld>
             <a:endParaRPr lang="en-US" dirty="0"/>
           </a:p>
@@ -2887,7 +2888,7 @@
           <a:p>
             <a:fld id="{0998D5BB-B127-481F-BC0A-2F77C576BB34}" type="slidenum">
               <a:rPr lang="en-US" smtClean="0"/>
-              <a:t>28</a:t>
+              <a:t>29</a:t>
             </a:fld>
             <a:endParaRPr lang="en-US" dirty="0"/>
           </a:p>
@@ -3031,7 +3032,7 @@
           <a:p>
             <a:fld id="{0998D5BB-B127-481F-BC0A-2F77C576BB34}" type="slidenum">
               <a:rPr lang="en-US" smtClean="0"/>
-              <a:t>29</a:t>
+              <a:t>30</a:t>
             </a:fld>
             <a:endParaRPr lang="en-US" dirty="0"/>
           </a:p>
@@ -3228,7 +3229,7 @@
           <a:p>
             <a:fld id="{0998D5BB-B127-481F-BC0A-2F77C576BB34}" type="slidenum">
               <a:rPr lang="en-US" smtClean="0"/>
-              <a:t>30</a:t>
+              <a:t>31</a:t>
             </a:fld>
             <a:endParaRPr lang="en-US" dirty="0"/>
           </a:p>
@@ -3439,7 +3440,7 @@
           <a:p>
             <a:fld id="{0998D5BB-B127-481F-BC0A-2F77C576BB34}" type="slidenum">
               <a:rPr lang="en-US" smtClean="0"/>
-              <a:t>31</a:t>
+              <a:t>32</a:t>
             </a:fld>
             <a:endParaRPr lang="en-US" dirty="0"/>
           </a:p>
@@ -3716,7 +3717,7 @@
           <a:p>
             <a:fld id="{0998D5BB-B127-481F-BC0A-2F77C576BB34}" type="slidenum">
               <a:rPr lang="en-US" smtClean="0"/>
-              <a:t>32</a:t>
+              <a:t>33</a:t>
             </a:fld>
             <a:endParaRPr lang="en-US" dirty="0"/>
           </a:p>
@@ -3800,7 +3801,7 @@
           <a:p>
             <a:fld id="{0998D5BB-B127-481F-BC0A-2F77C576BB34}" type="slidenum">
               <a:rPr lang="en-US" smtClean="0"/>
-              <a:t>33</a:t>
+              <a:t>34</a:t>
             </a:fld>
             <a:endParaRPr lang="en-US" dirty="0"/>
           </a:p>
@@ -3926,7 +3927,7 @@
                   <a:prstClr val="black"/>
                 </a:solidFill>
               </a:rPr>
-              <a:t>8/3/2020 8:21 AM</a:t>
+              <a:t>10/30/2020 2:52 PM</a:t>
             </a:fld>
             <a:endParaRPr lang="en-US" dirty="0">
               <a:solidFill>
@@ -3958,7 +3959,7 @@
                 </a:solidFill>
               </a:rPr>
               <a:pPr/>
-              <a:t>34</a:t>
+              <a:t>35</a:t>
             </a:fld>
             <a:endParaRPr lang="en-US" dirty="0">
               <a:solidFill>
@@ -18505,6 +18506,167 @@
       </p:grpSpPr>
       <p:sp>
         <p:nvSpPr>
+          <p:cNvPr id="2" name="Text Placeholder 1">
+            <a:extLst>
+              <a:ext uri="{FF2B5EF4-FFF2-40B4-BE49-F238E27FC236}">
+                <a16:creationId xmlns:a16="http://schemas.microsoft.com/office/drawing/2014/main" id="{276F6D1A-F63C-4683-B892-2AD14CCE1280}"/>
+              </a:ext>
+            </a:extLst>
+          </p:cNvPr>
+          <p:cNvSpPr>
+            <a:spLocks noGrp="1"/>
+          </p:cNvSpPr>
+          <p:nvPr>
+            <p:ph type="body" sz="quarter" idx="10"/>
+          </p:nvPr>
+        </p:nvSpPr>
+        <p:spPr>
+          <a:xfrm>
+            <a:off x="269239" y="1189177"/>
+            <a:ext cx="11653523" cy="4426212"/>
+          </a:xfrm>
+        </p:spPr>
+        <p:txBody>
+          <a:bodyPr/>
+          <a:lstStyle/>
+          <a:p>
+            <a:pPr>
+              <a:lnSpc>
+                <a:spcPct val="100000"/>
+              </a:lnSpc>
+              <a:spcBef>
+                <a:spcPts val="1800"/>
+              </a:spcBef>
+            </a:pPr>
+            <a:r>
+              <a:rPr lang="en-IE" dirty="0">
+                <a:latin typeface="Segoe UI Semibold" panose="020B0702040204020203" pitchFamily="34" charset="0"/>
+                <a:cs typeface="Segoe UI Semibold" panose="020B0702040204020203" pitchFamily="34" charset="0"/>
+              </a:rPr>
+              <a:t>Cloud Adoption Framework</a:t>
+            </a:r>
+            <a:br>
+              <a:rPr lang="en-IE" dirty="0"/>
+            </a:br>
+            <a:r>
+              <a:rPr lang="en-IE" sz="3200" dirty="0"/>
+              <a:t>https://docs.microsoft.com/azure/cloud-adoption-framework/</a:t>
+            </a:r>
+          </a:p>
+          <a:p>
+            <a:pPr>
+              <a:lnSpc>
+                <a:spcPct val="100000"/>
+              </a:lnSpc>
+              <a:spcBef>
+                <a:spcPts val="1800"/>
+              </a:spcBef>
+            </a:pPr>
+            <a:r>
+              <a:rPr lang="en-IE" dirty="0">
+                <a:latin typeface="Segoe UI Semibold" panose="020B0702040204020203" pitchFamily="34" charset="0"/>
+                <a:cs typeface="Segoe UI Semibold" panose="020B0702040204020203" pitchFamily="34" charset="0"/>
+              </a:rPr>
+              <a:t>Well-Architected Framework</a:t>
+            </a:r>
+            <a:br>
+              <a:rPr lang="en-IE" dirty="0"/>
+            </a:br>
+            <a:r>
+              <a:rPr lang="en-IE" sz="3200" dirty="0"/>
+              <a:t>https://docs.microsoft.com/azure/architecture/framework/</a:t>
+            </a:r>
+          </a:p>
+          <a:p>
+            <a:pPr>
+              <a:lnSpc>
+                <a:spcPct val="100000"/>
+              </a:lnSpc>
+              <a:spcBef>
+                <a:spcPts val="1800"/>
+              </a:spcBef>
+            </a:pPr>
+            <a:r>
+              <a:rPr lang="en-IE" dirty="0">
+                <a:latin typeface="Segoe UI Semibold" panose="020B0702040204020203" pitchFamily="34" charset="0"/>
+                <a:cs typeface="Segoe UI Semibold" panose="020B0702040204020203" pitchFamily="34" charset="0"/>
+              </a:rPr>
+              <a:t>Azure Landing Zones</a:t>
+            </a:r>
+            <a:br>
+              <a:rPr lang="en-IE" dirty="0"/>
+            </a:br>
+            <a:r>
+              <a:rPr lang="en-IE" sz="3200" dirty="0"/>
+              <a:t>https://docs.microsoft.com/azure/cloud-adoption-framework/ready/landing-zone/</a:t>
+            </a:r>
+            <a:endParaRPr lang="en-IE" dirty="0"/>
+          </a:p>
+        </p:txBody>
+      </p:sp>
+      <p:sp>
+        <p:nvSpPr>
+          <p:cNvPr id="3" name="Title 2">
+            <a:extLst>
+              <a:ext uri="{FF2B5EF4-FFF2-40B4-BE49-F238E27FC236}">
+                <a16:creationId xmlns:a16="http://schemas.microsoft.com/office/drawing/2014/main" id="{CF918FC1-F011-4B72-A725-F3E79D563561}"/>
+              </a:ext>
+            </a:extLst>
+          </p:cNvPr>
+          <p:cNvSpPr>
+            <a:spLocks noGrp="1"/>
+          </p:cNvSpPr>
+          <p:nvPr>
+            <p:ph type="title"/>
+          </p:nvPr>
+        </p:nvSpPr>
+        <p:spPr/>
+        <p:txBody>
+          <a:bodyPr/>
+          <a:lstStyle/>
+          <a:p>
+            <a:r>
+              <a:rPr lang="en-IE" dirty="0"/>
+              <a:t>Best Practices</a:t>
+            </a:r>
+          </a:p>
+        </p:txBody>
+      </p:sp>
+    </p:spTree>
+    <p:extLst>
+      <p:ext uri="{BB962C8B-B14F-4D97-AF65-F5344CB8AC3E}">
+        <p14:creationId xmlns:p14="http://schemas.microsoft.com/office/powerpoint/2010/main" val="1983060325"/>
+      </p:ext>
+    </p:extLst>
+  </p:cSld>
+  <p:clrMapOvr>
+    <a:masterClrMapping/>
+  </p:clrMapOvr>
+  <p:transition>
+    <p:fade/>
+  </p:transition>
+</p:sld>
+</file>
+
+<file path=ppt/slides/slide14.xml><?xml version="1.0" encoding="utf-8"?>
+<p:sld xmlns:a="http://schemas.openxmlformats.org/drawingml/2006/main" xmlns:r="http://schemas.openxmlformats.org/officeDocument/2006/relationships" xmlns:p="http://schemas.openxmlformats.org/presentationml/2006/main">
+  <p:cSld>
+    <p:spTree>
+      <p:nvGrpSpPr>
+        <p:cNvPr id="1" name=""/>
+        <p:cNvGrpSpPr/>
+        <p:nvPr/>
+      </p:nvGrpSpPr>
+      <p:grpSpPr>
+        <a:xfrm>
+          <a:off x="0" y="0"/>
+          <a:ext cx="0" cy="0"/>
+          <a:chOff x="0" y="0"/>
+          <a:chExt cx="0" cy="0"/>
+        </a:xfrm>
+      </p:grpSpPr>
+      <p:sp>
+        <p:nvSpPr>
           <p:cNvPr id="2" name="Title 1"/>
           <p:cNvSpPr>
             <a:spLocks noGrp="1"/>
@@ -19036,7 +19198,7 @@
 </p:sld>
 </file>
 
-<file path=ppt/slides/slide14.xml><?xml version="1.0" encoding="utf-8"?>
+<file path=ppt/slides/slide15.xml><?xml version="1.0" encoding="utf-8"?>
 <p:sld xmlns:a="http://schemas.openxmlformats.org/drawingml/2006/main" xmlns:r="http://schemas.openxmlformats.org/officeDocument/2006/relationships" xmlns:p="http://schemas.openxmlformats.org/presentationml/2006/main">
   <p:cSld>
     <p:spTree>
@@ -19340,7 +19502,7 @@
 </p:sld>
 </file>
 
-<file path=ppt/slides/slide15.xml><?xml version="1.0" encoding="utf-8"?>
+<file path=ppt/slides/slide16.xml><?xml version="1.0" encoding="utf-8"?>
 <p:sld xmlns:a="http://schemas.openxmlformats.org/drawingml/2006/main" xmlns:r="http://schemas.openxmlformats.org/officeDocument/2006/relationships" xmlns:p="http://schemas.openxmlformats.org/presentationml/2006/main">
   <p:cSld>
     <p:spTree>
@@ -19531,7 +19693,7 @@
 </p:sld>
 </file>
 
-<file path=ppt/slides/slide16.xml><?xml version="1.0" encoding="utf-8"?>
+<file path=ppt/slides/slide17.xml><?xml version="1.0" encoding="utf-8"?>
 <p:sld xmlns:a="http://schemas.openxmlformats.org/drawingml/2006/main" xmlns:r="http://schemas.openxmlformats.org/officeDocument/2006/relationships" xmlns:p="http://schemas.openxmlformats.org/presentationml/2006/main">
   <p:cSld>
     <p:bg>
@@ -19672,7 +19834,7 @@
 </p:sld>
 </file>
 
-<file path=ppt/slides/slide17.xml><?xml version="1.0" encoding="utf-8"?>
+<file path=ppt/slides/slide18.xml><?xml version="1.0" encoding="utf-8"?>
 <p:sld xmlns:a="http://schemas.openxmlformats.org/drawingml/2006/main" xmlns:r="http://schemas.openxmlformats.org/officeDocument/2006/relationships" xmlns:p="http://schemas.openxmlformats.org/presentationml/2006/main">
   <p:cSld>
     <p:spTree>
@@ -19728,7 +19890,7 @@
         <p:spPr>
           <a:xfrm>
             <a:off x="269239" y="1189177"/>
-            <a:ext cx="11653523" cy="6966907"/>
+            <a:ext cx="12252961" cy="6966907"/>
           </a:xfrm>
         </p:spPr>
         <p:txBody>
@@ -19820,7 +19982,14 @@
             <a:pPr lvl="1"/>
             <a:r>
               <a:rPr lang="en-US" dirty="0"/>
-              <a:t>Other approaches: re-install, refactor, re-architect, rebuild</a:t>
+              <a:t>Other: re-install, refactor, re-architect, rebuild – or </a:t>
+            </a:r>
+            <a:r>
+              <a:rPr lang="en-US" dirty="0">
+                <a:latin typeface="Segoe UI Semibold" panose="020B0702040204020203" pitchFamily="34" charset="0"/>
+                <a:cs typeface="Segoe UI Semibold" panose="020B0702040204020203" pitchFamily="34" charset="0"/>
+              </a:rPr>
+              <a:t>Azure VMware solution</a:t>
             </a:r>
           </a:p>
           <a:p>
@@ -19857,7 +20026,7 @@
 </p:sld>
 </file>
 
-<file path=ppt/slides/slide18.xml><?xml version="1.0" encoding="utf-8"?>
+<file path=ppt/slides/slide19.xml><?xml version="1.0" encoding="utf-8"?>
 <p:sld xmlns:a="http://schemas.openxmlformats.org/drawingml/2006/main" xmlns:r="http://schemas.openxmlformats.org/officeDocument/2006/relationships" xmlns:p="http://schemas.openxmlformats.org/presentationml/2006/main">
   <p:cSld>
     <p:spTree>
@@ -20000,7 +20169,158 @@
 </p:sld>
 </file>
 
-<file path=ppt/slides/slide19.xml><?xml version="1.0" encoding="utf-8"?>
+<file path=ppt/slides/slide2.xml><?xml version="1.0" encoding="utf-8"?>
+<p:sld xmlns:a="http://schemas.openxmlformats.org/drawingml/2006/main" xmlns:r="http://schemas.openxmlformats.org/officeDocument/2006/relationships" xmlns:p="http://schemas.openxmlformats.org/presentationml/2006/main">
+  <p:cSld>
+    <p:bg>
+      <p:bgPr>
+        <a:solidFill>
+          <a:schemeClr val="bg2"/>
+        </a:solidFill>
+        <a:effectLst/>
+      </p:bgPr>
+    </p:bg>
+    <p:spTree>
+      <p:nvGrpSpPr>
+        <p:cNvPr id="1" name=""/>
+        <p:cNvGrpSpPr/>
+        <p:nvPr/>
+      </p:nvGrpSpPr>
+      <p:grpSpPr>
+        <a:xfrm>
+          <a:off x="0" y="0"/>
+          <a:ext cx="0" cy="0"/>
+          <a:chOff x="0" y="0"/>
+          <a:chExt cx="0" cy="0"/>
+        </a:xfrm>
+      </p:grpSpPr>
+      <p:sp>
+        <p:nvSpPr>
+          <p:cNvPr id="2" name="Title 1"/>
+          <p:cNvSpPr>
+            <a:spLocks noGrp="1"/>
+          </p:cNvSpPr>
+          <p:nvPr>
+            <p:ph type="title"/>
+          </p:nvPr>
+        </p:nvSpPr>
+        <p:spPr/>
+        <p:txBody>
+          <a:bodyPr>
+            <a:normAutofit/>
+          </a:bodyPr>
+          <a:lstStyle/>
+          <a:p>
+            <a:r>
+              <a:rPr lang="en-US" sz="4400" dirty="0">
+                <a:solidFill>
+                  <a:schemeClr val="tx1"/>
+                </a:solidFill>
+                <a:latin typeface="Segoe UI Light" panose="020B0502040204020203" pitchFamily="34" charset="0"/>
+                <a:cs typeface="Segoe UI Light" panose="020B0502040204020203" pitchFamily="34" charset="0"/>
+              </a:rPr>
+              <a:t>Abstract and learning objectives</a:t>
+            </a:r>
+          </a:p>
+        </p:txBody>
+      </p:sp>
+      <p:sp>
+        <p:nvSpPr>
+          <p:cNvPr id="9" name="TextBox 8">
+            <a:extLst>
+              <a:ext uri="{FF2B5EF4-FFF2-40B4-BE49-F238E27FC236}">
+                <a16:creationId xmlns:a16="http://schemas.microsoft.com/office/drawing/2014/main" id="{0F86F9F9-39B5-4CE6-AF48-9ADAE40EA728}"/>
+              </a:ext>
+            </a:extLst>
+          </p:cNvPr>
+          <p:cNvSpPr txBox="1"/>
+          <p:nvPr/>
+        </p:nvSpPr>
+        <p:spPr>
+          <a:xfrm>
+            <a:off x="340284" y="1284049"/>
+            <a:ext cx="10738023" cy="5102935"/>
+          </a:xfrm>
+          <a:prstGeom prst="rect">
+            <a:avLst/>
+          </a:prstGeom>
+          <a:noFill/>
+        </p:spPr>
+        <p:txBody>
+          <a:bodyPr wrap="square" lIns="182880" tIns="146304" rIns="182880" bIns="146304" rtlCol="0">
+            <a:spAutoFit/>
+          </a:bodyPr>
+          <a:lstStyle/>
+          <a:p>
+            <a:pPr>
+              <a:lnSpc>
+                <a:spcPct val="90000"/>
+              </a:lnSpc>
+              <a:spcAft>
+                <a:spcPts val="600"/>
+              </a:spcAft>
+            </a:pPr>
+            <a:r>
+              <a:rPr lang="en-US" sz="2800" dirty="0">
+                <a:latin typeface="+mj-lt"/>
+              </a:rPr>
+              <a:t>In this whiteboard design session, you will look at how to design an Azure migration for a heterogenous customer environment. The existing infrastructure comprises both Windows and Linux servers running on both VMWare and physical machines and includes some legacy servers. Throughout the whiteboard design session, you will look at the various options and services available to migrate heterogenous environments to Azure.</a:t>
+            </a:r>
+          </a:p>
+          <a:p>
+            <a:pPr>
+              <a:lnSpc>
+                <a:spcPct val="90000"/>
+              </a:lnSpc>
+              <a:spcAft>
+                <a:spcPts val="600"/>
+              </a:spcAft>
+            </a:pPr>
+            <a:endParaRPr lang="en-US" sz="2800" dirty="0">
+              <a:latin typeface="+mj-lt"/>
+            </a:endParaRPr>
+          </a:p>
+          <a:p>
+            <a:pPr>
+              <a:lnSpc>
+                <a:spcPct val="90000"/>
+              </a:lnSpc>
+              <a:spcAft>
+                <a:spcPts val="600"/>
+              </a:spcAft>
+            </a:pPr>
+            <a:r>
+              <a:rPr lang="en-US" sz="2800" dirty="0">
+                <a:latin typeface="+mj-lt"/>
+              </a:rPr>
+              <a:t>At the end of this workshop, you will be better able to design and implement the discovery and assessment of environments to evaluate their readiness for migrating to Azure using services including Azure Migrate and Azure Database Migration Service.</a:t>
+            </a:r>
+            <a:endParaRPr lang="en-US" dirty="0"/>
+          </a:p>
+        </p:txBody>
+      </p:sp>
+    </p:spTree>
+    <p:extLst>
+      <p:ext uri="{BB962C8B-B14F-4D97-AF65-F5344CB8AC3E}">
+        <p14:creationId xmlns:p14="http://schemas.microsoft.com/office/powerpoint/2010/main" val="772880493"/>
+      </p:ext>
+    </p:extLst>
+  </p:cSld>
+  <p:clrMapOvr>
+    <a:masterClrMapping/>
+  </p:clrMapOvr>
+  <mc:AlternateContent xmlns:mc="http://schemas.openxmlformats.org/markup-compatibility/2006" xmlns:p14="http://schemas.microsoft.com/office/powerpoint/2010/main">
+    <mc:Choice Requires="p14">
+      <p:transition p14:dur="0"/>
+    </mc:Choice>
+    <mc:Fallback xmlns="">
+      <p:transition/>
+    </mc:Fallback>
+  </mc:AlternateContent>
+</p:sld>
+</file>
+
+<file path=ppt/slides/slide20.xml><?xml version="1.0" encoding="utf-8"?>
 <p:sld xmlns:a="http://schemas.openxmlformats.org/drawingml/2006/main" xmlns:r="http://schemas.openxmlformats.org/officeDocument/2006/relationships" xmlns:p="http://schemas.openxmlformats.org/presentationml/2006/main">
   <p:cSld>
     <p:spTree>
@@ -20220,158 +20540,7 @@
 </p:sld>
 </file>
 
-<file path=ppt/slides/slide2.xml><?xml version="1.0" encoding="utf-8"?>
-<p:sld xmlns:a="http://schemas.openxmlformats.org/drawingml/2006/main" xmlns:r="http://schemas.openxmlformats.org/officeDocument/2006/relationships" xmlns:p="http://schemas.openxmlformats.org/presentationml/2006/main">
-  <p:cSld>
-    <p:bg>
-      <p:bgPr>
-        <a:solidFill>
-          <a:schemeClr val="bg2"/>
-        </a:solidFill>
-        <a:effectLst/>
-      </p:bgPr>
-    </p:bg>
-    <p:spTree>
-      <p:nvGrpSpPr>
-        <p:cNvPr id="1" name=""/>
-        <p:cNvGrpSpPr/>
-        <p:nvPr/>
-      </p:nvGrpSpPr>
-      <p:grpSpPr>
-        <a:xfrm>
-          <a:off x="0" y="0"/>
-          <a:ext cx="0" cy="0"/>
-          <a:chOff x="0" y="0"/>
-          <a:chExt cx="0" cy="0"/>
-        </a:xfrm>
-      </p:grpSpPr>
-      <p:sp>
-        <p:nvSpPr>
-          <p:cNvPr id="2" name="Title 1"/>
-          <p:cNvSpPr>
-            <a:spLocks noGrp="1"/>
-          </p:cNvSpPr>
-          <p:nvPr>
-            <p:ph type="title"/>
-          </p:nvPr>
-        </p:nvSpPr>
-        <p:spPr/>
-        <p:txBody>
-          <a:bodyPr>
-            <a:normAutofit/>
-          </a:bodyPr>
-          <a:lstStyle/>
-          <a:p>
-            <a:r>
-              <a:rPr lang="en-US" sz="4400" dirty="0">
-                <a:solidFill>
-                  <a:schemeClr val="tx1"/>
-                </a:solidFill>
-                <a:latin typeface="Segoe UI Light" panose="020B0502040204020203" pitchFamily="34" charset="0"/>
-                <a:cs typeface="Segoe UI Light" panose="020B0502040204020203" pitchFamily="34" charset="0"/>
-              </a:rPr>
-              <a:t>Abstract and learning objectives</a:t>
-            </a:r>
-          </a:p>
-        </p:txBody>
-      </p:sp>
-      <p:sp>
-        <p:nvSpPr>
-          <p:cNvPr id="9" name="TextBox 8">
-            <a:extLst>
-              <a:ext uri="{FF2B5EF4-FFF2-40B4-BE49-F238E27FC236}">
-                <a16:creationId xmlns:a16="http://schemas.microsoft.com/office/drawing/2014/main" id="{0F86F9F9-39B5-4CE6-AF48-9ADAE40EA728}"/>
-              </a:ext>
-            </a:extLst>
-          </p:cNvPr>
-          <p:cNvSpPr txBox="1"/>
-          <p:nvPr/>
-        </p:nvSpPr>
-        <p:spPr>
-          <a:xfrm>
-            <a:off x="340284" y="1284049"/>
-            <a:ext cx="10738023" cy="5102935"/>
-          </a:xfrm>
-          <a:prstGeom prst="rect">
-            <a:avLst/>
-          </a:prstGeom>
-          <a:noFill/>
-        </p:spPr>
-        <p:txBody>
-          <a:bodyPr wrap="square" lIns="182880" tIns="146304" rIns="182880" bIns="146304" rtlCol="0">
-            <a:spAutoFit/>
-          </a:bodyPr>
-          <a:lstStyle/>
-          <a:p>
-            <a:pPr>
-              <a:lnSpc>
-                <a:spcPct val="90000"/>
-              </a:lnSpc>
-              <a:spcAft>
-                <a:spcPts val="600"/>
-              </a:spcAft>
-            </a:pPr>
-            <a:r>
-              <a:rPr lang="en-US" sz="2800" dirty="0">
-                <a:latin typeface="+mj-lt"/>
-              </a:rPr>
-              <a:t>In this whiteboard design session, you will look at how to design an Azure migration for a heterogenous customer environment. The existing infrastructure comprises both Windows and Linux servers running on both VMWare and physical machines and includes some legacy servers. Throughout the whiteboard design session, you will look at the various options and services available to migrate heterogenous environments to Azure.</a:t>
-            </a:r>
-          </a:p>
-          <a:p>
-            <a:pPr>
-              <a:lnSpc>
-                <a:spcPct val="90000"/>
-              </a:lnSpc>
-              <a:spcAft>
-                <a:spcPts val="600"/>
-              </a:spcAft>
-            </a:pPr>
-            <a:endParaRPr lang="en-US" sz="2800" dirty="0">
-              <a:latin typeface="+mj-lt"/>
-            </a:endParaRPr>
-          </a:p>
-          <a:p>
-            <a:pPr>
-              <a:lnSpc>
-                <a:spcPct val="90000"/>
-              </a:lnSpc>
-              <a:spcAft>
-                <a:spcPts val="600"/>
-              </a:spcAft>
-            </a:pPr>
-            <a:r>
-              <a:rPr lang="en-US" sz="2800" dirty="0">
-                <a:latin typeface="+mj-lt"/>
-              </a:rPr>
-              <a:t>At the end of this workshop, you will be better able to design and implement the discovery and assessment of environments to evaluate their readiness for migrating to Azure using services including Azure Migrate and Azure Database Migration Service.</a:t>
-            </a:r>
-            <a:endParaRPr lang="en-US" dirty="0"/>
-          </a:p>
-        </p:txBody>
-      </p:sp>
-    </p:spTree>
-    <p:extLst>
-      <p:ext uri="{BB962C8B-B14F-4D97-AF65-F5344CB8AC3E}">
-        <p14:creationId xmlns:p14="http://schemas.microsoft.com/office/powerpoint/2010/main" val="772880493"/>
-      </p:ext>
-    </p:extLst>
-  </p:cSld>
-  <p:clrMapOvr>
-    <a:masterClrMapping/>
-  </p:clrMapOvr>
-  <mc:AlternateContent xmlns:mc="http://schemas.openxmlformats.org/markup-compatibility/2006" xmlns:p14="http://schemas.microsoft.com/office/powerpoint/2010/main">
-    <mc:Choice Requires="p14">
-      <p:transition p14:dur="0"/>
-    </mc:Choice>
-    <mc:Fallback xmlns="">
-      <p:transition/>
-    </mc:Fallback>
-  </mc:AlternateContent>
-</p:sld>
-</file>
-
-<file path=ppt/slides/slide20.xml><?xml version="1.0" encoding="utf-8"?>
+<file path=ppt/slides/slide21.xml><?xml version="1.0" encoding="utf-8"?>
 <p:sld xmlns:a="http://schemas.openxmlformats.org/drawingml/2006/main" xmlns:r="http://schemas.openxmlformats.org/officeDocument/2006/relationships" xmlns:p="http://schemas.openxmlformats.org/presentationml/2006/main">
   <p:cSld>
     <p:spTree>
@@ -20523,7 +20692,7 @@
 </p:sld>
 </file>
 
-<file path=ppt/slides/slide21.xml><?xml version="1.0" encoding="utf-8"?>
+<file path=ppt/slides/slide22.xml><?xml version="1.0" encoding="utf-8"?>
 <p:sld xmlns:a="http://schemas.openxmlformats.org/drawingml/2006/main" xmlns:r="http://schemas.openxmlformats.org/officeDocument/2006/relationships" xmlns:p="http://schemas.openxmlformats.org/presentationml/2006/main">
   <p:cSld>
     <p:spTree>
@@ -20658,7 +20827,7 @@
 </p:sld>
 </file>
 
-<file path=ppt/slides/slide22.xml><?xml version="1.0" encoding="utf-8"?>
+<file path=ppt/slides/slide23.xml><?xml version="1.0" encoding="utf-8"?>
 <p:sld xmlns:a="http://schemas.openxmlformats.org/drawingml/2006/main" xmlns:r="http://schemas.openxmlformats.org/officeDocument/2006/relationships" xmlns:p="http://schemas.openxmlformats.org/presentationml/2006/main">
   <p:cSld>
     <p:spTree>
@@ -20847,135 +21016,6 @@
 </p:sld>
 </file>
 
-<file path=ppt/slides/slide23.xml><?xml version="1.0" encoding="utf-8"?>
-<p:sld xmlns:a="http://schemas.openxmlformats.org/drawingml/2006/main" xmlns:r="http://schemas.openxmlformats.org/officeDocument/2006/relationships" xmlns:p="http://schemas.openxmlformats.org/presentationml/2006/main">
-  <p:cSld>
-    <p:spTree>
-      <p:nvGrpSpPr>
-        <p:cNvPr id="1" name=""/>
-        <p:cNvGrpSpPr/>
-        <p:nvPr/>
-      </p:nvGrpSpPr>
-      <p:grpSpPr>
-        <a:xfrm>
-          <a:off x="0" y="0"/>
-          <a:ext cx="0" cy="0"/>
-          <a:chOff x="0" y="0"/>
-          <a:chExt cx="0" cy="0"/>
-        </a:xfrm>
-      </p:grpSpPr>
-      <p:sp>
-        <p:nvSpPr>
-          <p:cNvPr id="2" name="Title 1">
-            <a:extLst>
-              <a:ext uri="{FF2B5EF4-FFF2-40B4-BE49-F238E27FC236}">
-                <a16:creationId xmlns:a16="http://schemas.microsoft.com/office/drawing/2014/main" id="{59C1FCCA-E72A-4D22-BB7E-034E6745E6AE}"/>
-              </a:ext>
-            </a:extLst>
-          </p:cNvPr>
-          <p:cNvSpPr>
-            <a:spLocks noGrp="1"/>
-          </p:cNvSpPr>
-          <p:nvPr>
-            <p:ph type="title"/>
-          </p:nvPr>
-        </p:nvSpPr>
-        <p:spPr/>
-        <p:txBody>
-          <a:bodyPr/>
-          <a:lstStyle/>
-          <a:p>
-            <a:r>
-              <a:rPr lang="en-IE" dirty="0"/>
-              <a:t>Solution Details: Dependency Visualization</a:t>
-            </a:r>
-          </a:p>
-        </p:txBody>
-      </p:sp>
-      <p:sp>
-        <p:nvSpPr>
-          <p:cNvPr id="3" name="Text Placeholder 2">
-            <a:extLst>
-              <a:ext uri="{FF2B5EF4-FFF2-40B4-BE49-F238E27FC236}">
-                <a16:creationId xmlns:a16="http://schemas.microsoft.com/office/drawing/2014/main" id="{E62D2B87-13E1-4D84-A606-CB293B6C82B6}"/>
-              </a:ext>
-            </a:extLst>
-          </p:cNvPr>
-          <p:cNvSpPr>
-            <a:spLocks noGrp="1"/>
-          </p:cNvSpPr>
-          <p:nvPr>
-            <p:ph type="body" sz="quarter" idx="10"/>
-          </p:nvPr>
-        </p:nvSpPr>
-        <p:spPr>
-          <a:xfrm>
-            <a:off x="269239" y="1189177"/>
-            <a:ext cx="11653523" cy="1612749"/>
-          </a:xfrm>
-        </p:spPr>
-        <p:txBody>
-          <a:bodyPr/>
-          <a:lstStyle/>
-          <a:p>
-            <a:r>
-              <a:rPr lang="en-IE" sz="3200" dirty="0"/>
-              <a:t>Creates map of VM network dependencies</a:t>
-            </a:r>
-          </a:p>
-          <a:p>
-            <a:r>
-              <a:rPr lang="en-IE" sz="3200" dirty="0"/>
-              <a:t>Identify related machines to plan migration groups and dependencies</a:t>
-            </a:r>
-          </a:p>
-        </p:txBody>
-      </p:sp>
-      <p:pic>
-        <p:nvPicPr>
-          <p:cNvPr id="5" name="Picture 4" descr="Screenshot of dependency map. The highlighted server AcmeWeb is shown connecting to a number of other servers, on a variety of network ports.">
-            <a:extLst>
-              <a:ext uri="{FF2B5EF4-FFF2-40B4-BE49-F238E27FC236}">
-                <a16:creationId xmlns:a16="http://schemas.microsoft.com/office/drawing/2014/main" id="{1F6EA8E9-1EC6-4812-9452-3FBCA05BB7F1}"/>
-              </a:ext>
-            </a:extLst>
-          </p:cNvPr>
-          <p:cNvPicPr>
-            <a:picLocks noChangeAspect="1"/>
-          </p:cNvPicPr>
-          <p:nvPr/>
-        </p:nvPicPr>
-        <p:blipFill rotWithShape="1">
-          <a:blip r:embed="rId3"/>
-          <a:srcRect l="18008" t="24619" r="3744" b="8336"/>
-          <a:stretch/>
-        </p:blipFill>
-        <p:spPr>
-          <a:xfrm>
-            <a:off x="1983321" y="3059346"/>
-            <a:ext cx="7776779" cy="3022672"/>
-          </a:xfrm>
-          <a:prstGeom prst="rect">
-            <a:avLst/>
-          </a:prstGeom>
-        </p:spPr>
-      </p:pic>
-    </p:spTree>
-    <p:extLst>
-      <p:ext uri="{BB962C8B-B14F-4D97-AF65-F5344CB8AC3E}">
-        <p14:creationId xmlns:p14="http://schemas.microsoft.com/office/powerpoint/2010/main" val="74752777"/>
-      </p:ext>
-    </p:extLst>
-  </p:cSld>
-  <p:clrMapOvr>
-    <a:masterClrMapping/>
-  </p:clrMapOvr>
-  <p:transition>
-    <p:fade/>
-  </p:transition>
-</p:sld>
-</file>
-
 <file path=ppt/slides/slide24.xml><?xml version="1.0" encoding="utf-8"?>
 <p:sld xmlns:a="http://schemas.openxmlformats.org/drawingml/2006/main" xmlns:r="http://schemas.openxmlformats.org/officeDocument/2006/relationships" xmlns:p="http://schemas.openxmlformats.org/presentationml/2006/main">
   <p:cSld>
@@ -21016,7 +21056,7 @@
           <a:p>
             <a:r>
               <a:rPr lang="en-IE" dirty="0"/>
-              <a:t>Solution Details: Migration</a:t>
+              <a:t>Solution Details: Dependency Visualization</a:t>
             </a:r>
           </a:p>
         </p:txBody>
@@ -21040,7 +21080,7 @@
         <p:spPr>
           <a:xfrm>
             <a:off x="269239" y="1189177"/>
-            <a:ext cx="11653523" cy="4903137"/>
+            <a:ext cx="3464561" cy="1612749"/>
           </a:xfrm>
         </p:spPr>
         <p:txBody>
@@ -21048,58 +21088,58 @@
           <a:lstStyle/>
           <a:p>
             <a:r>
-              <a:rPr lang="en-IE" dirty="0"/>
-              <a:t>Prepare Azure environment</a:t>
-            </a:r>
-          </a:p>
-          <a:p>
-            <a:pPr lvl="1"/>
-            <a:r>
-              <a:rPr lang="en-IE" dirty="0"/>
-              <a:t>Accounts, permissions, storage, network…everything except the VMs and their disks</a:t>
-            </a:r>
-          </a:p>
-          <a:p>
-            <a:r>
-              <a:rPr lang="en-IE" dirty="0"/>
-              <a:t>Deploy on-premises components</a:t>
-            </a:r>
-          </a:p>
-          <a:p>
-            <a:pPr lvl="1"/>
-            <a:r>
-              <a:rPr lang="en-IE" dirty="0"/>
-              <a:t>VMware (agent-less): Azure migrate appliance VM; nothing to install on each VM</a:t>
-            </a:r>
-          </a:p>
-          <a:p>
-            <a:pPr lvl="1"/>
-            <a:r>
-              <a:rPr lang="en-IE" dirty="0"/>
-              <a:t>VMware (agent-based) or physical servers: Replication appliance VM or server; plus Mobility Service agent on each VM or machine to be migrated</a:t>
-            </a:r>
-          </a:p>
-          <a:p>
-            <a:r>
-              <a:rPr lang="en-IE" dirty="0"/>
-              <a:t>Configure replication policy and enable replication</a:t>
-            </a:r>
-          </a:p>
-          <a:p>
-            <a:r>
-              <a:rPr lang="en-IE" dirty="0"/>
-              <a:t>Perform test failover and verify</a:t>
-            </a:r>
-          </a:p>
-          <a:p>
-            <a:endParaRPr lang="en-IE" dirty="0"/>
+              <a:rPr lang="en-IE" sz="3200" dirty="0"/>
+              <a:t>Creates map of VM network dependencies</a:t>
+            </a:r>
+          </a:p>
+          <a:p>
+            <a:r>
+              <a:rPr lang="en-IE" sz="3200" dirty="0"/>
+              <a:t>Identify related machines to plan migration groups and dependencies</a:t>
+            </a:r>
           </a:p>
         </p:txBody>
       </p:sp>
+      <p:pic>
+        <p:nvPicPr>
+          <p:cNvPr id="6" name="Picture 5" descr="Screenshot of dependency map. The highlighted server AcmeWeb is shown connecting to a number of other servers, on a variety of network ports.">
+            <a:extLst>
+              <a:ext uri="{FF2B5EF4-FFF2-40B4-BE49-F238E27FC236}">
+                <a16:creationId xmlns:a16="http://schemas.microsoft.com/office/drawing/2014/main" id="{7C113D22-2DFE-47D4-818E-3509FEC1C98C}"/>
+              </a:ext>
+            </a:extLst>
+          </p:cNvPr>
+          <p:cNvPicPr>
+            <a:picLocks noChangeAspect="1"/>
+          </p:cNvPicPr>
+          <p:nvPr/>
+        </p:nvPicPr>
+        <p:blipFill>
+          <a:blip r:embed="rId3">
+            <a:extLst>
+              <a:ext uri="{28A0092B-C50C-407E-A947-70E740481C1C}">
+                <a14:useLocalDpi xmlns:a14="http://schemas.microsoft.com/office/drawing/2010/main" val="0"/>
+              </a:ext>
+            </a:extLst>
+          </a:blip>
+          <a:stretch>
+            <a:fillRect/>
+          </a:stretch>
+        </p:blipFill>
+        <p:spPr>
+          <a:xfrm>
+            <a:off x="4064000" y="1189175"/>
+            <a:ext cx="7731762" cy="5214575"/>
+          </a:xfrm>
+          <a:prstGeom prst="rect">
+            <a:avLst/>
+          </a:prstGeom>
+        </p:spPr>
+      </p:pic>
     </p:spTree>
     <p:extLst>
       <p:ext uri="{BB962C8B-B14F-4D97-AF65-F5344CB8AC3E}">
-        <p14:creationId xmlns:p14="http://schemas.microsoft.com/office/powerpoint/2010/main" val="3410966198"/>
+        <p14:creationId xmlns:p14="http://schemas.microsoft.com/office/powerpoint/2010/main" val="74752777"/>
       </p:ext>
     </p:extLst>
   </p:cSld>
@@ -21176,7 +21216,7 @@
         <p:spPr>
           <a:xfrm>
             <a:off x="269239" y="1189177"/>
-            <a:ext cx="11653523" cy="5305235"/>
+            <a:ext cx="11653523" cy="5301388"/>
           </a:xfrm>
         </p:spPr>
         <p:txBody>
@@ -21185,69 +21225,53 @@
           <a:p>
             <a:r>
               <a:rPr lang="en-IE" dirty="0"/>
-              <a:t>Cut over</a:t>
+              <a:t>Prepare Azure environment</a:t>
             </a:r>
           </a:p>
           <a:p>
             <a:pPr lvl="1"/>
             <a:r>
-              <a:rPr lang="en-IE" sz="2400" dirty="0"/>
-              <a:t>Update application settings (connection strings, configurations, etc)</a:t>
+              <a:rPr lang="en-IE" dirty="0"/>
+              <a:t>Accounts, permissions, storage, network…everything except the VMs and their disks</a:t>
             </a:r>
           </a:p>
           <a:p>
             <a:pPr lvl="1"/>
             <a:r>
-              <a:rPr lang="en-IE" sz="2400" dirty="0"/>
-              <a:t>Acceptance testing</a:t>
+              <a:rPr lang="en-IE" dirty="0"/>
+              <a:t>Use Azure Landing Zones for best practices and reusable deployment artifacts</a:t>
+            </a:r>
+          </a:p>
+          <a:p>
+            <a:r>
+              <a:rPr lang="en-IE" dirty="0"/>
+              <a:t>Deploy on-premises components</a:t>
             </a:r>
           </a:p>
           <a:p>
             <a:pPr lvl="1"/>
             <a:r>
-              <a:rPr lang="en-IE" sz="2400" dirty="0"/>
-              <a:t>Endpoint update (typically DNS change)</a:t>
-            </a:r>
-          </a:p>
-          <a:p>
-            <a:r>
               <a:rPr lang="en-IE" dirty="0"/>
-              <a:t>Post-migration</a:t>
+              <a:t>VMware (agent-less): Azure migrate appliance VM; nothing to install on each VM</a:t>
             </a:r>
           </a:p>
           <a:p>
             <a:pPr lvl="1"/>
             <a:r>
-              <a:rPr lang="en-IE" sz="2400" dirty="0"/>
-              <a:t>Install VM agent / uninstall Mobility Service agent</a:t>
-            </a:r>
-          </a:p>
-          <a:p>
-            <a:pPr lvl="1"/>
-            <a:r>
-              <a:rPr lang="en-IE" sz="2400" dirty="0"/>
-              <a:t>Configure backup and DR</a:t>
-            </a:r>
-          </a:p>
-          <a:p>
-            <a:pPr lvl="1"/>
-            <a:r>
-              <a:rPr lang="en-IE" sz="2400" dirty="0"/>
-              <a:t>Enable disk encryption</a:t>
-            </a:r>
-          </a:p>
-          <a:p>
-            <a:pPr lvl="1"/>
-            <a:r>
-              <a:rPr lang="en-IE" sz="2400" dirty="0"/>
-              <a:t>Review security and availability settings</a:t>
-            </a:r>
-          </a:p>
-          <a:p>
-            <a:pPr lvl="1"/>
-            <a:r>
-              <a:rPr lang="en-IE" sz="2400" dirty="0"/>
-              <a:t>Review Azure Advisor / Security Center recommendations</a:t>
+              <a:rPr lang="en-IE" dirty="0"/>
+              <a:t>VMware (agent-based) or physical servers: Replication appliance VM or server; plus Mobility Service agent on each VM or machine to be migrated</a:t>
+            </a:r>
+          </a:p>
+          <a:p>
+            <a:r>
+              <a:rPr lang="en-IE" dirty="0"/>
+              <a:t>Configure replication policy and enable replication</a:t>
+            </a:r>
+          </a:p>
+          <a:p>
+            <a:r>
+              <a:rPr lang="en-IE" dirty="0"/>
+              <a:t>Perform test failover and verify</a:t>
             </a:r>
           </a:p>
           <a:p>
@@ -21258,7 +21282,7 @@
     </p:spTree>
     <p:extLst>
       <p:ext uri="{BB962C8B-B14F-4D97-AF65-F5344CB8AC3E}">
-        <p14:creationId xmlns:p14="http://schemas.microsoft.com/office/powerpoint/2010/main" val="1314888463"/>
+        <p14:creationId xmlns:p14="http://schemas.microsoft.com/office/powerpoint/2010/main" val="3410966198"/>
       </p:ext>
     </p:extLst>
   </p:cSld>
@@ -21310,6 +21334,194 @@
           <a:lstStyle/>
           <a:p>
             <a:r>
+              <a:rPr lang="en-IE" dirty="0"/>
+              <a:t>Solution Details: Migration</a:t>
+            </a:r>
+          </a:p>
+        </p:txBody>
+      </p:sp>
+      <p:sp>
+        <p:nvSpPr>
+          <p:cNvPr id="3" name="Text Placeholder 2">
+            <a:extLst>
+              <a:ext uri="{FF2B5EF4-FFF2-40B4-BE49-F238E27FC236}">
+                <a16:creationId xmlns:a16="http://schemas.microsoft.com/office/drawing/2014/main" id="{E62D2B87-13E1-4D84-A606-CB293B6C82B6}"/>
+              </a:ext>
+            </a:extLst>
+          </p:cNvPr>
+          <p:cNvSpPr>
+            <a:spLocks noGrp="1"/>
+          </p:cNvSpPr>
+          <p:nvPr>
+            <p:ph type="body" sz="quarter" idx="10"/>
+          </p:nvPr>
+        </p:nvSpPr>
+        <p:spPr>
+          <a:xfrm>
+            <a:off x="269239" y="1189177"/>
+            <a:ext cx="11653523" cy="6192208"/>
+          </a:xfrm>
+        </p:spPr>
+        <p:txBody>
+          <a:bodyPr/>
+          <a:lstStyle/>
+          <a:p>
+            <a:r>
+              <a:rPr lang="en-IE" dirty="0"/>
+              <a:t>Cut over</a:t>
+            </a:r>
+          </a:p>
+          <a:p>
+            <a:pPr lvl="1"/>
+            <a:r>
+              <a:rPr lang="en-IE" sz="2400" dirty="0"/>
+              <a:t>Update application settings (connection strings, configurations, etc)</a:t>
+            </a:r>
+          </a:p>
+          <a:p>
+            <a:pPr lvl="1"/>
+            <a:r>
+              <a:rPr lang="en-IE" sz="2400" dirty="0"/>
+              <a:t>Acceptance testing</a:t>
+            </a:r>
+          </a:p>
+          <a:p>
+            <a:pPr lvl="1"/>
+            <a:r>
+              <a:rPr lang="en-IE" sz="2400" dirty="0"/>
+              <a:t>Endpoint update (typically DNS change)</a:t>
+            </a:r>
+          </a:p>
+          <a:p>
+            <a:r>
+              <a:rPr lang="en-IE" dirty="0"/>
+              <a:t>Post-migration</a:t>
+            </a:r>
+          </a:p>
+          <a:p>
+            <a:pPr lvl="1"/>
+            <a:r>
+              <a:rPr lang="en-IE" sz="2400" dirty="0"/>
+              <a:t>Install VM agent / uninstall Mobility Service agent</a:t>
+            </a:r>
+          </a:p>
+          <a:p>
+            <a:pPr lvl="1"/>
+            <a:r>
+              <a:rPr lang="en-IE" sz="2400" dirty="0"/>
+              <a:t>Review Azure Advisor / Security </a:t>
+            </a:r>
+            <a:r>
+              <a:rPr lang="en-IE" sz="2400" dirty="0" err="1"/>
+              <a:t>Center</a:t>
+            </a:r>
+            <a:r>
+              <a:rPr lang="en-IE" sz="2400" dirty="0"/>
+              <a:t> recommendations</a:t>
+            </a:r>
+          </a:p>
+          <a:p>
+            <a:pPr lvl="1"/>
+            <a:r>
+              <a:rPr lang="en-IE" sz="2400" dirty="0"/>
+              <a:t>Apply principles from the Azure Well-Architected Framework</a:t>
+            </a:r>
+          </a:p>
+          <a:p>
+            <a:pPr lvl="2"/>
+            <a:r>
+              <a:rPr lang="en-IE" sz="2008" dirty="0"/>
+              <a:t>Cost optimization (e.g. right-sizing, apply discounts, shut down in off hours)</a:t>
+            </a:r>
+          </a:p>
+          <a:p>
+            <a:pPr lvl="2"/>
+            <a:r>
+              <a:rPr lang="en-IE" sz="2008" dirty="0"/>
+              <a:t>Operational excellence (e.g. monitoring)</a:t>
+            </a:r>
+          </a:p>
+          <a:p>
+            <a:pPr lvl="2"/>
+            <a:r>
+              <a:rPr lang="en-IE" sz="2008" dirty="0"/>
+              <a:t>Performance efficiency (e.g. auto-scale)</a:t>
+            </a:r>
+          </a:p>
+          <a:p>
+            <a:pPr lvl="2"/>
+            <a:r>
+              <a:rPr lang="en-IE" sz="2008" dirty="0"/>
+              <a:t>Reliability (e.g. high availability, backup and DR)</a:t>
+            </a:r>
+          </a:p>
+          <a:p>
+            <a:pPr lvl="2"/>
+            <a:r>
+              <a:rPr lang="en-IE" sz="2008" dirty="0"/>
+              <a:t>Security (e.g. enable disk encryption, network access, Azure RBAC)</a:t>
+            </a:r>
+          </a:p>
+          <a:p>
+            <a:endParaRPr lang="en-IE" dirty="0"/>
+          </a:p>
+        </p:txBody>
+      </p:sp>
+    </p:spTree>
+    <p:extLst>
+      <p:ext uri="{BB962C8B-B14F-4D97-AF65-F5344CB8AC3E}">
+        <p14:creationId xmlns:p14="http://schemas.microsoft.com/office/powerpoint/2010/main" val="1314888463"/>
+      </p:ext>
+    </p:extLst>
+  </p:cSld>
+  <p:clrMapOvr>
+    <a:masterClrMapping/>
+  </p:clrMapOvr>
+  <p:transition>
+    <p:fade/>
+  </p:transition>
+</p:sld>
+</file>
+
+<file path=ppt/slides/slide27.xml><?xml version="1.0" encoding="utf-8"?>
+<p:sld xmlns:a="http://schemas.openxmlformats.org/drawingml/2006/main" xmlns:r="http://schemas.openxmlformats.org/officeDocument/2006/relationships" xmlns:p="http://schemas.openxmlformats.org/presentationml/2006/main">
+  <p:cSld>
+    <p:spTree>
+      <p:nvGrpSpPr>
+        <p:cNvPr id="1" name=""/>
+        <p:cNvGrpSpPr/>
+        <p:nvPr/>
+      </p:nvGrpSpPr>
+      <p:grpSpPr>
+        <a:xfrm>
+          <a:off x="0" y="0"/>
+          <a:ext cx="0" cy="0"/>
+          <a:chOff x="0" y="0"/>
+          <a:chExt cx="0" cy="0"/>
+        </a:xfrm>
+      </p:grpSpPr>
+      <p:sp>
+        <p:nvSpPr>
+          <p:cNvPr id="2" name="Title 1">
+            <a:extLst>
+              <a:ext uri="{FF2B5EF4-FFF2-40B4-BE49-F238E27FC236}">
+                <a16:creationId xmlns:a16="http://schemas.microsoft.com/office/drawing/2014/main" id="{59C1FCCA-E72A-4D22-BB7E-034E6745E6AE}"/>
+              </a:ext>
+            </a:extLst>
+          </p:cNvPr>
+          <p:cNvSpPr>
+            <a:spLocks noGrp="1"/>
+          </p:cNvSpPr>
+          <p:nvPr>
+            <p:ph type="title"/>
+          </p:nvPr>
+        </p:nvSpPr>
+        <p:spPr/>
+        <p:txBody>
+          <a:bodyPr/>
+          <a:lstStyle/>
+          <a:p>
+            <a:r>
               <a:rPr lang="en-IE" sz="4400" dirty="0"/>
               <a:t>Solution Details: Database Migration Service (DMS)</a:t>
             </a:r>
@@ -21426,7 +21638,7 @@
 </p:sld>
 </file>
 
-<file path=ppt/slides/slide27.xml><?xml version="1.0" encoding="utf-8"?>
+<file path=ppt/slides/slide28.xml><?xml version="1.0" encoding="utf-8"?>
 <p:sld xmlns:a="http://schemas.openxmlformats.org/drawingml/2006/main" xmlns:r="http://schemas.openxmlformats.org/officeDocument/2006/relationships" xmlns:p="http://schemas.openxmlformats.org/presentationml/2006/main">
   <p:cSld>
     <p:spTree>
@@ -21617,165 +21829,6 @@
 </p:sld>
 </file>
 
-<file path=ppt/slides/slide28.xml><?xml version="1.0" encoding="utf-8"?>
-<p:sld xmlns:a="http://schemas.openxmlformats.org/drawingml/2006/main" xmlns:r="http://schemas.openxmlformats.org/officeDocument/2006/relationships" xmlns:p="http://schemas.openxmlformats.org/presentationml/2006/main">
-  <p:cSld>
-    <p:spTree>
-      <p:nvGrpSpPr>
-        <p:cNvPr id="1" name=""/>
-        <p:cNvGrpSpPr/>
-        <p:nvPr/>
-      </p:nvGrpSpPr>
-      <p:grpSpPr>
-        <a:xfrm>
-          <a:off x="0" y="0"/>
-          <a:ext cx="0" cy="0"/>
-          <a:chOff x="0" y="0"/>
-          <a:chExt cx="0" cy="0"/>
-        </a:xfrm>
-      </p:grpSpPr>
-      <p:sp>
-        <p:nvSpPr>
-          <p:cNvPr id="2" name="Title 1"/>
-          <p:cNvSpPr>
-            <a:spLocks noGrp="1"/>
-          </p:cNvSpPr>
-          <p:nvPr>
-            <p:ph type="title"/>
-          </p:nvPr>
-        </p:nvSpPr>
-        <p:spPr/>
-        <p:txBody>
-          <a:bodyPr/>
-          <a:lstStyle/>
-          <a:p>
-            <a:r>
-              <a:rPr lang="en-US" dirty="0"/>
-              <a:t>Preferred objections handling</a:t>
-            </a:r>
-            <a:br>
-              <a:rPr lang="en-US" dirty="0"/>
-            </a:br>
-            <a:endParaRPr lang="en-US" dirty="0"/>
-          </a:p>
-        </p:txBody>
-      </p:sp>
-      <p:sp>
-        <p:nvSpPr>
-          <p:cNvPr id="3" name="Content Placeholder 2"/>
-          <p:cNvSpPr>
-            <a:spLocks noGrp="1"/>
-          </p:cNvSpPr>
-          <p:nvPr>
-            <p:ph type="body" sz="quarter" idx="10"/>
-          </p:nvPr>
-        </p:nvSpPr>
-        <p:spPr>
-          <a:xfrm>
-            <a:off x="269239" y="1189177"/>
-            <a:ext cx="11653523" cy="5946243"/>
-          </a:xfrm>
-        </p:spPr>
-        <p:txBody>
-          <a:bodyPr/>
-          <a:lstStyle/>
-          <a:p>
-            <a:r>
-              <a:rPr lang="en-US" sz="2400" dirty="0">
-                <a:latin typeface="Segoe UI Semibold" panose="020B0702040204020203" pitchFamily="34" charset="0"/>
-                <a:cs typeface="Segoe UI Semibold" panose="020B0702040204020203" pitchFamily="34" charset="0"/>
-              </a:rPr>
-              <a:t>Objection: </a:t>
-            </a:r>
-            <a:r>
-              <a:rPr lang="en-US" sz="2400" dirty="0">
-                <a:solidFill>
-                  <a:schemeClr val="tx1"/>
-                </a:solidFill>
-              </a:rPr>
-              <a:t>Owners of each business application need to approve any substantial application change, including migration. Business owners have indicated that they will require evidence that migration will be successful before granting approval.</a:t>
-            </a:r>
-          </a:p>
-          <a:p>
-            <a:endParaRPr lang="en-US" sz="2400" dirty="0"/>
-          </a:p>
-          <a:p>
-            <a:r>
-              <a:rPr lang="en-US" sz="2400" dirty="0">
-                <a:latin typeface="Segoe UI Semibold" panose="020B0702040204020203" pitchFamily="34" charset="0"/>
-                <a:cs typeface="Segoe UI Semibold" panose="020B0702040204020203" pitchFamily="34" charset="0"/>
-              </a:rPr>
-              <a:t>Answer: </a:t>
-            </a:r>
-            <a:r>
-              <a:rPr lang="en-US" sz="2400" dirty="0">
-                <a:solidFill>
-                  <a:schemeClr val="tx1"/>
-                </a:solidFill>
-              </a:rPr>
-              <a:t>Create of a proof of concept deployment, to validate the overall architecture and any assumptions, for example regarding the impact of changes to network latency between application components.</a:t>
-            </a:r>
-          </a:p>
-          <a:p>
-            <a:br>
-              <a:rPr lang="en-US" sz="2400" dirty="0">
-                <a:solidFill>
-                  <a:schemeClr val="tx1"/>
-                </a:solidFill>
-              </a:rPr>
-            </a:br>
-            <a:r>
-              <a:rPr lang="en-US" sz="2400" dirty="0">
-                <a:solidFill>
-                  <a:schemeClr val="tx1"/>
-                </a:solidFill>
-              </a:rPr>
-              <a:t>For the migration process itself, Azure Migrate supports a 'test failover'. This creates the Azure deployment in parallel with the existing deployment, allowing the migration process to be verified without risk of production impact. Likewise, database migration using DMS does not impact the existing production database.</a:t>
-            </a:r>
-          </a:p>
-          <a:p>
-            <a:endParaRPr lang="en-US" sz="2400" dirty="0">
-              <a:solidFill>
-                <a:schemeClr val="tx1"/>
-              </a:solidFill>
-            </a:endParaRPr>
-          </a:p>
-          <a:p>
-            <a:r>
-              <a:rPr lang="en-US" sz="2400" dirty="0">
-                <a:solidFill>
-                  <a:schemeClr val="tx1"/>
-                </a:solidFill>
-              </a:rPr>
-              <a:t>Third-party migration tools used for migration of physical servers similarly support a validation step prior to committing the migration.</a:t>
-            </a:r>
-          </a:p>
-          <a:p>
-            <a:endParaRPr lang="en-US" sz="2400" dirty="0"/>
-          </a:p>
-        </p:txBody>
-      </p:sp>
-    </p:spTree>
-    <p:extLst>
-      <p:ext uri="{BB962C8B-B14F-4D97-AF65-F5344CB8AC3E}">
-        <p14:creationId xmlns:p14="http://schemas.microsoft.com/office/powerpoint/2010/main" val="2923730869"/>
-      </p:ext>
-    </p:extLst>
-  </p:cSld>
-  <p:clrMapOvr>
-    <a:masterClrMapping/>
-  </p:clrMapOvr>
-  <mc:AlternateContent xmlns:mc="http://schemas.openxmlformats.org/markup-compatibility/2006" xmlns:p14="http://schemas.microsoft.com/office/powerpoint/2010/main">
-    <mc:Choice Requires="p14">
-      <p:transition p14:dur="0"/>
-    </mc:Choice>
-    <mc:Fallback xmlns="">
-      <p:transition/>
-    </mc:Fallback>
-  </mc:AlternateContent>
-</p:sld>
-</file>
-
 <file path=ppt/slides/slide29.xml><?xml version="1.0" encoding="utf-8"?>
 <p:sld xmlns:a="http://schemas.openxmlformats.org/drawingml/2006/main" xmlns:r="http://schemas.openxmlformats.org/officeDocument/2006/relationships" xmlns:p="http://schemas.openxmlformats.org/presentationml/2006/main">
   <p:cSld>
@@ -21832,7 +21885,7 @@
         <p:spPr>
           <a:xfrm>
             <a:off x="269239" y="1189177"/>
-            <a:ext cx="11653523" cy="1994392"/>
+            <a:ext cx="11653523" cy="5946243"/>
           </a:xfrm>
         </p:spPr>
         <p:txBody>
@@ -21852,7 +21905,7 @@
                   <a:schemeClr val="tx1"/>
                 </a:solidFill>
               </a:rPr>
-              <a:t>Fabrikam have negotiated an Enterprise Agreement (EA) with Microsoft for their Azure consumption. Any cost estimates need to reflect their EA discount.</a:t>
+              <a:t>Owners of each business application need to approve any substantial application change, including migration. Business owners have indicated that they will require evidence that migration will be successful before granting approval.</a:t>
             </a:r>
           </a:p>
           <a:p>
@@ -21872,8 +21925,44 @@
                   <a:schemeClr val="tx1"/>
                 </a:solidFill>
               </a:rPr>
-              <a:t>Not a problem! Cost estimates from both Azure Migrate and the Azure Pricing Calculator can be tailored to reflect your EA discount.</a:t>
-            </a:r>
+              <a:t>Create of a proof of concept deployment, to validate the overall architecture and any assumptions, for example regarding the impact of changes to network latency between application components.</a:t>
+            </a:r>
+          </a:p>
+          <a:p>
+            <a:br>
+              <a:rPr lang="en-US" sz="2400" dirty="0">
+                <a:solidFill>
+                  <a:schemeClr val="tx1"/>
+                </a:solidFill>
+              </a:rPr>
+            </a:br>
+            <a:r>
+              <a:rPr lang="en-US" sz="2400" dirty="0">
+                <a:solidFill>
+                  <a:schemeClr val="tx1"/>
+                </a:solidFill>
+              </a:rPr>
+              <a:t>For the migration process itself, Azure Migrate supports a 'test failover'. This creates the Azure deployment in parallel with the existing deployment, allowing the migration process to be verified without risk of production impact. Likewise, database migration using DMS does not impact the existing production database.</a:t>
+            </a:r>
+          </a:p>
+          <a:p>
+            <a:endParaRPr lang="en-US" sz="2400" dirty="0">
+              <a:solidFill>
+                <a:schemeClr val="tx1"/>
+              </a:solidFill>
+            </a:endParaRPr>
+          </a:p>
+          <a:p>
+            <a:r>
+              <a:rPr lang="en-US" sz="2400" dirty="0">
+                <a:solidFill>
+                  <a:schemeClr val="tx1"/>
+                </a:solidFill>
+              </a:rPr>
+              <a:t>Third-party migration tools used for migration of physical servers similarly support a validation step prior to committing the migration.</a:t>
+            </a:r>
+          </a:p>
+          <a:p>
             <a:endParaRPr lang="en-US" sz="2400" dirty="0"/>
           </a:p>
         </p:txBody>
@@ -21881,7 +21970,7 @@
     </p:spTree>
     <p:extLst>
       <p:ext uri="{BB962C8B-B14F-4D97-AF65-F5344CB8AC3E}">
-        <p14:creationId xmlns:p14="http://schemas.microsoft.com/office/powerpoint/2010/main" val="2403139044"/>
+        <p14:creationId xmlns:p14="http://schemas.microsoft.com/office/powerpoint/2010/main" val="2923730869"/>
       </p:ext>
     </p:extLst>
   </p:cSld>
@@ -22137,7 +22226,7 @@
         <p:spPr>
           <a:xfrm>
             <a:off x="269239" y="1189177"/>
-            <a:ext cx="11653523" cy="4210383"/>
+            <a:ext cx="11653523" cy="1994392"/>
           </a:xfrm>
         </p:spPr>
         <p:txBody>
@@ -22152,8 +22241,12 @@
               <a:t>Objection: </a:t>
             </a:r>
             <a:r>
-              <a:rPr lang="en-US" sz="2400" dirty="0"/>
-              <a:t>Many applications comprise multiple components or tiers. How can you ensure that these migrations are appropriately orchestrated?</a:t>
+              <a:rPr lang="en-US" sz="2400" dirty="0">
+                <a:solidFill>
+                  <a:schemeClr val="tx1"/>
+                </a:solidFill>
+              </a:rPr>
+              <a:t>Fabrikam have negotiated an Enterprise Agreement (EA) with Microsoft for their Azure consumption. Any cost estimates need to reflect their EA discount.</a:t>
             </a:r>
           </a:p>
           <a:p>
@@ -22168,25 +22261,21 @@
               <a:t>Answer: </a:t>
             </a:r>
             <a:r>
-              <a:rPr lang="en-US" sz="2400" dirty="0"/>
-              <a:t>Using Azure Migrate, VMs can be grouped to reflect the application architecture. The dependency visualization feature of Azure Migrate helps identify and configure these groupings.</a:t>
-            </a:r>
-          </a:p>
-          <a:p>
+              <a:rPr lang="en-US" sz="2400" dirty="0">
+                <a:solidFill>
+                  <a:schemeClr val="tx1"/>
+                </a:solidFill>
+              </a:rPr>
+              <a:t>Not a problem! Cost estimates from both Azure Migrate and the Azure Pricing Calculator can be tailored to reflect your EA discount.</a:t>
+            </a:r>
             <a:endParaRPr lang="en-US" sz="2400" dirty="0"/>
-          </a:p>
-          <a:p>
-            <a:r>
-              <a:rPr lang="en-US" sz="2400" dirty="0"/>
-              <a:t>The migration process can then be staged to migrate different groups of VMs separately. Custom scripts can be used to perform custom pre- and post-migration operations. Similar orchestration is also supported by third-party migration tools, used for physical servers.</a:t>
-            </a:r>
           </a:p>
         </p:txBody>
       </p:sp>
     </p:spTree>
     <p:extLst>
       <p:ext uri="{BB962C8B-B14F-4D97-AF65-F5344CB8AC3E}">
-        <p14:creationId xmlns:p14="http://schemas.microsoft.com/office/powerpoint/2010/main" val="3692539223"/>
+        <p14:creationId xmlns:p14="http://schemas.microsoft.com/office/powerpoint/2010/main" val="2403139044"/>
       </p:ext>
     </p:extLst>
   </p:cSld>
@@ -22260,7 +22349,7 @@
         <p:spPr>
           <a:xfrm>
             <a:off x="269239" y="1189177"/>
-            <a:ext cx="11653523" cy="4949047"/>
+            <a:ext cx="11653523" cy="4210383"/>
           </a:xfrm>
         </p:spPr>
         <p:txBody>
@@ -22276,7 +22365,7 @@
             </a:r>
             <a:r>
               <a:rPr lang="en-US" sz="2400" dirty="0"/>
-              <a:t>Each migration should be designed to minimize application downtime. There must be an option to fail-back should the migration experience an unexpected problem.</a:t>
+              <a:t>Many applications comprise multiple components or tiers. How can you ensure that these migrations are appropriately orchestrated?</a:t>
             </a:r>
           </a:p>
           <a:p>
@@ -22292,7 +22381,7 @@
             </a:r>
             <a:r>
               <a:rPr lang="en-US" sz="2400" dirty="0"/>
-              <a:t>To ensure data consistency during migration, a short application downtime may be required. With Azure Migrate, incremental replication keeps the duration of this downtime to a minimum.</a:t>
+              <a:t>Using Azure Migrate, VMs can be grouped to reflect the application architecture. The dependency visualization feature of Azure Migrate helps identify and configure these groupings.</a:t>
             </a:r>
           </a:p>
           <a:p>
@@ -22301,16 +22390,7 @@
           <a:p>
             <a:r>
               <a:rPr lang="en-US" sz="2400" dirty="0"/>
-              <a:t>Similarly, data migration using DMS supports online migration, allowing you to keep your application online while data is synchronized. Only a short downtime window is required to cut over to the new database.</a:t>
-            </a:r>
-          </a:p>
-          <a:p>
-            <a:endParaRPr lang="en-US" sz="2400" dirty="0"/>
-          </a:p>
-          <a:p>
-            <a:r>
-              <a:rPr lang="en-US" sz="2400" dirty="0"/>
-              <a:t>In the event of an unexpected issue arising, the existing deployment remains available as a fail-back.</a:t>
+              <a:t>The migration process can then be staged to migrate different groups of VMs separately. Custom scripts can be used to perform custom pre- and post-migration operations. Similar orchestration is also supported by third-party migration tools, used for physical servers.</a:t>
             </a:r>
           </a:p>
         </p:txBody>
@@ -22318,7 +22398,7 @@
     </p:spTree>
     <p:extLst>
       <p:ext uri="{BB962C8B-B14F-4D97-AF65-F5344CB8AC3E}">
-        <p14:creationId xmlns:p14="http://schemas.microsoft.com/office/powerpoint/2010/main" val="1920224808"/>
+        <p14:creationId xmlns:p14="http://schemas.microsoft.com/office/powerpoint/2010/main" val="3692539223"/>
       </p:ext>
     </p:extLst>
   </p:cSld>
@@ -22392,7 +22472,7 @@
         <p:spPr>
           <a:xfrm>
             <a:off x="269239" y="1189177"/>
-            <a:ext cx="11653523" cy="5281446"/>
+            <a:ext cx="11653523" cy="4949047"/>
           </a:xfrm>
         </p:spPr>
         <p:txBody>
@@ -22408,7 +22488,7 @@
             </a:r>
             <a:r>
               <a:rPr lang="en-US" sz="2400" dirty="0"/>
-              <a:t>We are expecting to move all our existing infrastructure to Azure. Reducing our on-premises server costs should provide substantial cost savings. Can you confirm what savings we can expect?</a:t>
+              <a:t>Each migration should be designed to minimize application downtime. There must be an option to fail-back should the migration experience an unexpected problem.</a:t>
             </a:r>
           </a:p>
           <a:p>
@@ -22424,7 +22504,7 @@
             </a:r>
             <a:r>
               <a:rPr lang="en-US" sz="2400" dirty="0"/>
-              <a:t>It is a common myth that all workloads should move to the cloud, and that the cloud will automatically be cheaper. Careful planning will be required to optimize your Azure deployment, and a cost analysis performed to make sure the business case for migration is sound and fully understood.</a:t>
+              <a:t>To ensure data consistency during migration, a short application downtime may be required. With Azure Migrate, incremental replication keeps the duration of this downtime to a minimum.</a:t>
             </a:r>
           </a:p>
           <a:p>
@@ -22433,24 +22513,16 @@
           <a:p>
             <a:r>
               <a:rPr lang="en-US" sz="2400" dirty="0"/>
-              <a:t>The </a:t>
-            </a:r>
-            <a:r>
-              <a:rPr lang="en-US" sz="2400" i="1" dirty="0"/>
-              <a:t>Build a business justification for cloud migration</a:t>
-            </a:r>
+              <a:t>Similarly, data migration using DMS supports online migration, allowing you to keep your application online while data is synchronized. Only a short downtime window is required to cut over to the new database.</a:t>
+            </a:r>
+          </a:p>
+          <a:p>
+            <a:endParaRPr lang="en-US" sz="2400" dirty="0"/>
+          </a:p>
+          <a:p>
             <a:r>
               <a:rPr lang="en-US" sz="2400" dirty="0"/>
-              <a:t> guide is a useful resource for dispelling cloud adoption myths and building a realistic business case.</a:t>
-            </a:r>
-          </a:p>
-          <a:p>
-            <a:endParaRPr lang="en-US" sz="2400" dirty="0"/>
-          </a:p>
-          <a:p>
-            <a:r>
-              <a:rPr lang="en-US" sz="2400" dirty="0"/>
-              <a:t>https://docs.microsoft.com/azure/architecture/cloud-adoption/business-strategy/cloud-migration-business-case </a:t>
+              <a:t>In the event of an unexpected issue arising, the existing deployment remains available as a fail-back.</a:t>
             </a:r>
           </a:p>
         </p:txBody>
@@ -22458,7 +22530,7 @@
     </p:spTree>
     <p:extLst>
       <p:ext uri="{BB962C8B-B14F-4D97-AF65-F5344CB8AC3E}">
-        <p14:creationId xmlns:p14="http://schemas.microsoft.com/office/powerpoint/2010/main" val="541416141"/>
+        <p14:creationId xmlns:p14="http://schemas.microsoft.com/office/powerpoint/2010/main" val="1920224808"/>
       </p:ext>
     </p:extLst>
   </p:cSld>
@@ -22510,6 +22582,146 @@
           <a:p>
             <a:r>
               <a:rPr lang="en-US" dirty="0"/>
+              <a:t>Preferred objections handling</a:t>
+            </a:r>
+            <a:br>
+              <a:rPr lang="en-US" dirty="0"/>
+            </a:br>
+            <a:endParaRPr lang="en-US" dirty="0"/>
+          </a:p>
+        </p:txBody>
+      </p:sp>
+      <p:sp>
+        <p:nvSpPr>
+          <p:cNvPr id="3" name="Content Placeholder 2"/>
+          <p:cNvSpPr>
+            <a:spLocks noGrp="1"/>
+          </p:cNvSpPr>
+          <p:nvPr>
+            <p:ph type="body" sz="quarter" idx="10"/>
+          </p:nvPr>
+        </p:nvSpPr>
+        <p:spPr>
+          <a:xfrm>
+            <a:off x="269239" y="1189177"/>
+            <a:ext cx="11653523" cy="5281446"/>
+          </a:xfrm>
+        </p:spPr>
+        <p:txBody>
+          <a:bodyPr/>
+          <a:lstStyle/>
+          <a:p>
+            <a:r>
+              <a:rPr lang="en-US" sz="2400" dirty="0">
+                <a:latin typeface="Segoe UI Semibold" panose="020B0702040204020203" pitchFamily="34" charset="0"/>
+                <a:cs typeface="Segoe UI Semibold" panose="020B0702040204020203" pitchFamily="34" charset="0"/>
+              </a:rPr>
+              <a:t>Objection: </a:t>
+            </a:r>
+            <a:r>
+              <a:rPr lang="en-US" sz="2400" dirty="0"/>
+              <a:t>We are expecting to move all our existing infrastructure to Azure. Reducing our on-premises server costs should provide substantial cost savings. Can you confirm what savings we can expect?</a:t>
+            </a:r>
+          </a:p>
+          <a:p>
+            <a:endParaRPr lang="en-US" sz="2400" dirty="0"/>
+          </a:p>
+          <a:p>
+            <a:r>
+              <a:rPr lang="en-US" sz="2400" dirty="0">
+                <a:latin typeface="Segoe UI Semibold" panose="020B0702040204020203" pitchFamily="34" charset="0"/>
+                <a:cs typeface="Segoe UI Semibold" panose="020B0702040204020203" pitchFamily="34" charset="0"/>
+              </a:rPr>
+              <a:t>Answer: </a:t>
+            </a:r>
+            <a:r>
+              <a:rPr lang="en-US" sz="2400" dirty="0"/>
+              <a:t>It is a common myth that all workloads should move to the cloud, and that the cloud will automatically be cheaper. Careful planning will be required to optimize your Azure deployment, and a cost analysis performed to make sure the business case for migration is sound and fully understood.</a:t>
+            </a:r>
+          </a:p>
+          <a:p>
+            <a:endParaRPr lang="en-US" sz="2400" dirty="0"/>
+          </a:p>
+          <a:p>
+            <a:r>
+              <a:rPr lang="en-US" sz="2400" dirty="0"/>
+              <a:t>The </a:t>
+            </a:r>
+            <a:r>
+              <a:rPr lang="en-US" sz="2400" i="1" dirty="0"/>
+              <a:t>Build a business justification for cloud migration</a:t>
+            </a:r>
+            <a:r>
+              <a:rPr lang="en-US" sz="2400" dirty="0"/>
+              <a:t> guide is a useful resource for dispelling cloud adoption myths and building a realistic business case.</a:t>
+            </a:r>
+          </a:p>
+          <a:p>
+            <a:endParaRPr lang="en-US" sz="2400" dirty="0"/>
+          </a:p>
+          <a:p>
+            <a:r>
+              <a:rPr lang="en-US" sz="2400" dirty="0"/>
+              <a:t>https://docs.microsoft.com/azure/architecture/cloud-adoption/business-strategy/cloud-migration-business-case </a:t>
+            </a:r>
+          </a:p>
+        </p:txBody>
+      </p:sp>
+    </p:spTree>
+    <p:extLst>
+      <p:ext uri="{BB962C8B-B14F-4D97-AF65-F5344CB8AC3E}">
+        <p14:creationId xmlns:p14="http://schemas.microsoft.com/office/powerpoint/2010/main" val="541416141"/>
+      </p:ext>
+    </p:extLst>
+  </p:cSld>
+  <p:clrMapOvr>
+    <a:masterClrMapping/>
+  </p:clrMapOvr>
+  <mc:AlternateContent xmlns:mc="http://schemas.openxmlformats.org/markup-compatibility/2006" xmlns:p14="http://schemas.microsoft.com/office/powerpoint/2010/main">
+    <mc:Choice Requires="p14">
+      <p:transition p14:dur="0"/>
+    </mc:Choice>
+    <mc:Fallback xmlns="">
+      <p:transition/>
+    </mc:Fallback>
+  </mc:AlternateContent>
+</p:sld>
+</file>
+
+<file path=ppt/slides/slide34.xml><?xml version="1.0" encoding="utf-8"?>
+<p:sld xmlns:a="http://schemas.openxmlformats.org/drawingml/2006/main" xmlns:r="http://schemas.openxmlformats.org/officeDocument/2006/relationships" xmlns:p="http://schemas.openxmlformats.org/presentationml/2006/main">
+  <p:cSld>
+    <p:spTree>
+      <p:nvGrpSpPr>
+        <p:cNvPr id="1" name=""/>
+        <p:cNvGrpSpPr/>
+        <p:nvPr/>
+      </p:nvGrpSpPr>
+      <p:grpSpPr>
+        <a:xfrm>
+          <a:off x="0" y="0"/>
+          <a:ext cx="0" cy="0"/>
+          <a:chOff x="0" y="0"/>
+          <a:chExt cx="0" cy="0"/>
+        </a:xfrm>
+      </p:grpSpPr>
+      <p:sp>
+        <p:nvSpPr>
+          <p:cNvPr id="2" name="Title 1"/>
+          <p:cNvSpPr>
+            <a:spLocks noGrp="1"/>
+          </p:cNvSpPr>
+          <p:nvPr>
+            <p:ph type="title"/>
+          </p:nvPr>
+        </p:nvSpPr>
+        <p:spPr/>
+        <p:txBody>
+          <a:bodyPr/>
+          <a:lstStyle/>
+          <a:p>
+            <a:r>
+              <a:rPr lang="en-US" dirty="0"/>
               <a:t>Customer quote</a:t>
             </a:r>
             <a:br>
@@ -22592,7 +22804,7 @@
 </p:sld>
 </file>
 
-<file path=ppt/slides/slide34.xml><?xml version="1.0" encoding="utf-8"?>
+<file path=ppt/slides/slide35.xml><?xml version="1.0" encoding="utf-8"?>
 <p:sld xmlns:a="http://schemas.openxmlformats.org/drawingml/2006/main" xmlns:r="http://schemas.openxmlformats.org/officeDocument/2006/relationships" xmlns:p="http://schemas.openxmlformats.org/presentationml/2006/main">
   <p:cSld>
     <p:bg>
